--- a/Programacao.pptx
+++ b/Programacao.pptx
@@ -2,7 +2,7 @@
 <file path=ppt/presentation.xml><?xml version="1.0" encoding="utf-8"?>
 <p:presentation xmlns:a="http://schemas.openxmlformats.org/drawingml/2006/main" xmlns:r="http://schemas.openxmlformats.org/officeDocument/2006/relationships" xmlns:p="http://schemas.openxmlformats.org/presentationml/2006/main" saveSubsetFonts="1" autoCompressPictures="0">
   <p:sldMasterIdLst>
-    <p:sldMasterId id="2147483648" r:id="rId1"/>
+    <p:sldMasterId id="2147483672" r:id="rId1"/>
   </p:sldMasterIdLst>
   <p:sldIdLst>
     <p:sldId id="256" r:id="rId2"/>
@@ -104,6 +104,11 @@
       </a:defRPr>
     </a:lvl9pPr>
   </p:defaultTextStyle>
+  <p:extLst>
+    <p:ext uri="{EFAFB233-063F-42B5-8137-9DF3F51BA10A}">
+      <p15:sldGuideLst xmlns:p15="http://schemas.microsoft.com/office/powerpoint/2012/main"/>
+    </p:ext>
+  </p:extLst>
 </p:presentation>
 </file>
 
@@ -129,7 +134,7 @@
           <p:cNvPr id="2" name="Título 1">
             <a:extLst>
               <a:ext uri="{FF2B5EF4-FFF2-40B4-BE49-F238E27FC236}">
-                <a16:creationId xmlns:a16="http://schemas.microsoft.com/office/drawing/2014/main" id="{FD7889DC-51EE-C7CE-2314-FD8B841205E2}"/>
+                <a16:creationId xmlns:a16="http://schemas.microsoft.com/office/drawing/2014/main" id="{C7034FF0-4ECD-8621-8EF2-C75D52538BA8}"/>
               </a:ext>
             </a:extLst>
           </p:cNvPr>
@@ -167,7 +172,7 @@
           <p:cNvPr id="3" name="Subtítulo 2">
             <a:extLst>
               <a:ext uri="{FF2B5EF4-FFF2-40B4-BE49-F238E27FC236}">
-                <a16:creationId xmlns:a16="http://schemas.microsoft.com/office/drawing/2014/main" id="{2483B812-1C47-79C4-293B-1D2EB7D82750}"/>
+                <a16:creationId xmlns:a16="http://schemas.microsoft.com/office/drawing/2014/main" id="{81692277-7A40-76F2-7F7D-3517DBA842A5}"/>
               </a:ext>
             </a:extLst>
           </p:cNvPr>
@@ -238,7 +243,7 @@
           <p:cNvPr id="4" name="Espaço Reservado para Data 3">
             <a:extLst>
               <a:ext uri="{FF2B5EF4-FFF2-40B4-BE49-F238E27FC236}">
-                <a16:creationId xmlns:a16="http://schemas.microsoft.com/office/drawing/2014/main" id="{9E6513B7-8560-16A1-6342-EAA3A10EE92E}"/>
+                <a16:creationId xmlns:a16="http://schemas.microsoft.com/office/drawing/2014/main" id="{286ABD6C-D6AA-3543-2686-C3115D4E9FE7}"/>
               </a:ext>
             </a:extLst>
           </p:cNvPr>
@@ -267,7 +272,7 @@
           <p:cNvPr id="5" name="Espaço Reservado para Rodapé 4">
             <a:extLst>
               <a:ext uri="{FF2B5EF4-FFF2-40B4-BE49-F238E27FC236}">
-                <a16:creationId xmlns:a16="http://schemas.microsoft.com/office/drawing/2014/main" id="{A358C805-A008-6DC8-D4BC-32648501B6BA}"/>
+                <a16:creationId xmlns:a16="http://schemas.microsoft.com/office/drawing/2014/main" id="{4EA6974A-A5EF-765D-A3C1-615E21680E5E}"/>
               </a:ext>
             </a:extLst>
           </p:cNvPr>
@@ -292,7 +297,7 @@
           <p:cNvPr id="6" name="Espaço Reservado para Número de Slide 5">
             <a:extLst>
               <a:ext uri="{FF2B5EF4-FFF2-40B4-BE49-F238E27FC236}">
-                <a16:creationId xmlns:a16="http://schemas.microsoft.com/office/drawing/2014/main" id="{AA60DC29-5C2F-5D45-7C30-F2AF669D4D4B}"/>
+                <a16:creationId xmlns:a16="http://schemas.microsoft.com/office/drawing/2014/main" id="{8379C81F-DE60-C4D4-C501-7C2C170B2E1A}"/>
               </a:ext>
             </a:extLst>
           </p:cNvPr>
@@ -319,7 +324,7 @@
     </p:spTree>
     <p:extLst>
       <p:ext uri="{BB962C8B-B14F-4D97-AF65-F5344CB8AC3E}">
-        <p14:creationId xmlns:p14="http://schemas.microsoft.com/office/powerpoint/2010/main" val="4180343154"/>
+        <p14:creationId xmlns:p14="http://schemas.microsoft.com/office/powerpoint/2010/main" val="586434493"/>
       </p:ext>
     </p:extLst>
   </p:cSld>
@@ -351,7 +356,7 @@
           <p:cNvPr id="2" name="Título 1">
             <a:extLst>
               <a:ext uri="{FF2B5EF4-FFF2-40B4-BE49-F238E27FC236}">
-                <a16:creationId xmlns:a16="http://schemas.microsoft.com/office/drawing/2014/main" id="{8D57E064-30CE-8DCC-BC88-8654CE404108}"/>
+                <a16:creationId xmlns:a16="http://schemas.microsoft.com/office/drawing/2014/main" id="{8FBB2F2D-71D3-A89A-8297-BE7A3F1F7B50}"/>
               </a:ext>
             </a:extLst>
           </p:cNvPr>
@@ -380,7 +385,7 @@
           <p:cNvPr id="3" name="Espaço Reservado para Texto Vertical 2">
             <a:extLst>
               <a:ext uri="{FF2B5EF4-FFF2-40B4-BE49-F238E27FC236}">
-                <a16:creationId xmlns:a16="http://schemas.microsoft.com/office/drawing/2014/main" id="{E057B0DF-2517-F767-1FCC-2AB4F9A73BF1}"/>
+                <a16:creationId xmlns:a16="http://schemas.microsoft.com/office/drawing/2014/main" id="{07F8B124-1A30-A0CF-9AD8-E5850F0C93E8}"/>
               </a:ext>
             </a:extLst>
           </p:cNvPr>
@@ -438,7 +443,7 @@
           <p:cNvPr id="4" name="Espaço Reservado para Data 3">
             <a:extLst>
               <a:ext uri="{FF2B5EF4-FFF2-40B4-BE49-F238E27FC236}">
-                <a16:creationId xmlns:a16="http://schemas.microsoft.com/office/drawing/2014/main" id="{244CD89B-57EC-1625-91C8-0EDB1230855D}"/>
+                <a16:creationId xmlns:a16="http://schemas.microsoft.com/office/drawing/2014/main" id="{4D256576-5540-6D6F-73C6-57922C3A3059}"/>
               </a:ext>
             </a:extLst>
           </p:cNvPr>
@@ -467,7 +472,7 @@
           <p:cNvPr id="5" name="Espaço Reservado para Rodapé 4">
             <a:extLst>
               <a:ext uri="{FF2B5EF4-FFF2-40B4-BE49-F238E27FC236}">
-                <a16:creationId xmlns:a16="http://schemas.microsoft.com/office/drawing/2014/main" id="{5C2CA557-495B-9EE9-DBD3-738DF7872BEE}"/>
+                <a16:creationId xmlns:a16="http://schemas.microsoft.com/office/drawing/2014/main" id="{37E91CC0-5EA7-B31E-8138-068C10DF991F}"/>
               </a:ext>
             </a:extLst>
           </p:cNvPr>
@@ -492,7 +497,7 @@
           <p:cNvPr id="6" name="Espaço Reservado para Número de Slide 5">
             <a:extLst>
               <a:ext uri="{FF2B5EF4-FFF2-40B4-BE49-F238E27FC236}">
-                <a16:creationId xmlns:a16="http://schemas.microsoft.com/office/drawing/2014/main" id="{109FF54E-EA26-5FCD-E202-8538038115A0}"/>
+                <a16:creationId xmlns:a16="http://schemas.microsoft.com/office/drawing/2014/main" id="{7597E0EF-8BCE-DA29-A6CC-A2E066CD36A5}"/>
               </a:ext>
             </a:extLst>
           </p:cNvPr>
@@ -519,7 +524,7 @@
     </p:spTree>
     <p:extLst>
       <p:ext uri="{BB962C8B-B14F-4D97-AF65-F5344CB8AC3E}">
-        <p14:creationId xmlns:p14="http://schemas.microsoft.com/office/powerpoint/2010/main" val="327591119"/>
+        <p14:creationId xmlns:p14="http://schemas.microsoft.com/office/powerpoint/2010/main" val="1274862512"/>
       </p:ext>
     </p:extLst>
   </p:cSld>
@@ -551,7 +556,7 @@
           <p:cNvPr id="2" name="Título Vertical 1">
             <a:extLst>
               <a:ext uri="{FF2B5EF4-FFF2-40B4-BE49-F238E27FC236}">
-                <a16:creationId xmlns:a16="http://schemas.microsoft.com/office/drawing/2014/main" id="{3F990BEC-2D53-1F7B-DDBA-70F5402977D1}"/>
+                <a16:creationId xmlns:a16="http://schemas.microsoft.com/office/drawing/2014/main" id="{3EE75420-89BA-80AC-836E-E3C4A75FF1BD}"/>
               </a:ext>
             </a:extLst>
           </p:cNvPr>
@@ -585,7 +590,7 @@
           <p:cNvPr id="3" name="Espaço Reservado para Texto Vertical 2">
             <a:extLst>
               <a:ext uri="{FF2B5EF4-FFF2-40B4-BE49-F238E27FC236}">
-                <a16:creationId xmlns:a16="http://schemas.microsoft.com/office/drawing/2014/main" id="{B019236C-051D-90E6-C12C-333FCBFFF543}"/>
+                <a16:creationId xmlns:a16="http://schemas.microsoft.com/office/drawing/2014/main" id="{012E66F8-637B-E59F-C35A-33543174A015}"/>
               </a:ext>
             </a:extLst>
           </p:cNvPr>
@@ -648,7 +653,7 @@
           <p:cNvPr id="4" name="Espaço Reservado para Data 3">
             <a:extLst>
               <a:ext uri="{FF2B5EF4-FFF2-40B4-BE49-F238E27FC236}">
-                <a16:creationId xmlns:a16="http://schemas.microsoft.com/office/drawing/2014/main" id="{1D0D6D80-56E6-7FD9-7251-E41C637814D3}"/>
+                <a16:creationId xmlns:a16="http://schemas.microsoft.com/office/drawing/2014/main" id="{0E37A405-D49B-11D4-95A6-B2A51D6C1C28}"/>
               </a:ext>
             </a:extLst>
           </p:cNvPr>
@@ -677,7 +682,7 @@
           <p:cNvPr id="5" name="Espaço Reservado para Rodapé 4">
             <a:extLst>
               <a:ext uri="{FF2B5EF4-FFF2-40B4-BE49-F238E27FC236}">
-                <a16:creationId xmlns:a16="http://schemas.microsoft.com/office/drawing/2014/main" id="{6BE39A39-2198-BC8D-90CA-A7D5541FBC9B}"/>
+                <a16:creationId xmlns:a16="http://schemas.microsoft.com/office/drawing/2014/main" id="{A9323F31-2545-122D-C517-5E3852FB6AC9}"/>
               </a:ext>
             </a:extLst>
           </p:cNvPr>
@@ -702,7 +707,7 @@
           <p:cNvPr id="6" name="Espaço Reservado para Número de Slide 5">
             <a:extLst>
               <a:ext uri="{FF2B5EF4-FFF2-40B4-BE49-F238E27FC236}">
-                <a16:creationId xmlns:a16="http://schemas.microsoft.com/office/drawing/2014/main" id="{47CB7B04-16A6-202D-2CFB-6FD189A0225C}"/>
+                <a16:creationId xmlns:a16="http://schemas.microsoft.com/office/drawing/2014/main" id="{EC72DF75-5830-2398-EAAA-DF04C79C5CF2}"/>
               </a:ext>
             </a:extLst>
           </p:cNvPr>
@@ -729,7 +734,7 @@
     </p:spTree>
     <p:extLst>
       <p:ext uri="{BB962C8B-B14F-4D97-AF65-F5344CB8AC3E}">
-        <p14:creationId xmlns:p14="http://schemas.microsoft.com/office/powerpoint/2010/main" val="795151625"/>
+        <p14:creationId xmlns:p14="http://schemas.microsoft.com/office/powerpoint/2010/main" val="2778827678"/>
       </p:ext>
     </p:extLst>
   </p:cSld>
@@ -761,7 +766,7 @@
           <p:cNvPr id="2" name="Título 1">
             <a:extLst>
               <a:ext uri="{FF2B5EF4-FFF2-40B4-BE49-F238E27FC236}">
-                <a16:creationId xmlns:a16="http://schemas.microsoft.com/office/drawing/2014/main" id="{F2CEA343-0E0D-BA1D-15EB-7DC2F5AD4727}"/>
+                <a16:creationId xmlns:a16="http://schemas.microsoft.com/office/drawing/2014/main" id="{AE730B6C-CC5A-1E8C-A4EF-848E0BF91682}"/>
               </a:ext>
             </a:extLst>
           </p:cNvPr>
@@ -790,7 +795,7 @@
           <p:cNvPr id="3" name="Espaço Reservado para Conteúdo 2">
             <a:extLst>
               <a:ext uri="{FF2B5EF4-FFF2-40B4-BE49-F238E27FC236}">
-                <a16:creationId xmlns:a16="http://schemas.microsoft.com/office/drawing/2014/main" id="{92A65639-78C5-68EB-4AA2-9023E9E5992E}"/>
+                <a16:creationId xmlns:a16="http://schemas.microsoft.com/office/drawing/2014/main" id="{75F80D49-90AB-74E1-5367-29FA83C49487}"/>
               </a:ext>
             </a:extLst>
           </p:cNvPr>
@@ -848,7 +853,7 @@
           <p:cNvPr id="4" name="Espaço Reservado para Data 3">
             <a:extLst>
               <a:ext uri="{FF2B5EF4-FFF2-40B4-BE49-F238E27FC236}">
-                <a16:creationId xmlns:a16="http://schemas.microsoft.com/office/drawing/2014/main" id="{86A8C732-71A6-97EF-0156-9F3AEC376C9E}"/>
+                <a16:creationId xmlns:a16="http://schemas.microsoft.com/office/drawing/2014/main" id="{44F3879F-6616-969C-EB05-6F39C9974A11}"/>
               </a:ext>
             </a:extLst>
           </p:cNvPr>
@@ -877,7 +882,7 @@
           <p:cNvPr id="5" name="Espaço Reservado para Rodapé 4">
             <a:extLst>
               <a:ext uri="{FF2B5EF4-FFF2-40B4-BE49-F238E27FC236}">
-                <a16:creationId xmlns:a16="http://schemas.microsoft.com/office/drawing/2014/main" id="{F207DD93-6B35-152F-BD12-DC964B77EBF4}"/>
+                <a16:creationId xmlns:a16="http://schemas.microsoft.com/office/drawing/2014/main" id="{4E058EB0-877A-E755-7777-AEC54A7B0B50}"/>
               </a:ext>
             </a:extLst>
           </p:cNvPr>
@@ -902,7 +907,7 @@
           <p:cNvPr id="6" name="Espaço Reservado para Número de Slide 5">
             <a:extLst>
               <a:ext uri="{FF2B5EF4-FFF2-40B4-BE49-F238E27FC236}">
-                <a16:creationId xmlns:a16="http://schemas.microsoft.com/office/drawing/2014/main" id="{0A819C2D-1CD0-33BF-7E59-5BF26B64D149}"/>
+                <a16:creationId xmlns:a16="http://schemas.microsoft.com/office/drawing/2014/main" id="{2E95BBAD-BB86-1BA3-B549-960CBBA0754F}"/>
               </a:ext>
             </a:extLst>
           </p:cNvPr>
@@ -929,7 +934,7 @@
     </p:spTree>
     <p:extLst>
       <p:ext uri="{BB962C8B-B14F-4D97-AF65-F5344CB8AC3E}">
-        <p14:creationId xmlns:p14="http://schemas.microsoft.com/office/powerpoint/2010/main" val="1424477993"/>
+        <p14:creationId xmlns:p14="http://schemas.microsoft.com/office/powerpoint/2010/main" val="382483324"/>
       </p:ext>
     </p:extLst>
   </p:cSld>
@@ -961,7 +966,7 @@
           <p:cNvPr id="2" name="Título 1">
             <a:extLst>
               <a:ext uri="{FF2B5EF4-FFF2-40B4-BE49-F238E27FC236}">
-                <a16:creationId xmlns:a16="http://schemas.microsoft.com/office/drawing/2014/main" id="{EB32BC31-17F5-1180-63E4-B634484BE081}"/>
+                <a16:creationId xmlns:a16="http://schemas.microsoft.com/office/drawing/2014/main" id="{EEDDBA73-6793-855D-78C8-5DD9D4E2CA45}"/>
               </a:ext>
             </a:extLst>
           </p:cNvPr>
@@ -999,7 +1004,7 @@
           <p:cNvPr id="3" name="Espaço Reservado para Texto 2">
             <a:extLst>
               <a:ext uri="{FF2B5EF4-FFF2-40B4-BE49-F238E27FC236}">
-                <a16:creationId xmlns:a16="http://schemas.microsoft.com/office/drawing/2014/main" id="{86AE113C-88BC-CAA3-6452-933AB8AB60FB}"/>
+                <a16:creationId xmlns:a16="http://schemas.microsoft.com/office/drawing/2014/main" id="{F2B7634A-5E53-6718-F51E-F8724471D03A}"/>
               </a:ext>
             </a:extLst>
           </p:cNvPr>
@@ -1124,7 +1129,7 @@
           <p:cNvPr id="4" name="Espaço Reservado para Data 3">
             <a:extLst>
               <a:ext uri="{FF2B5EF4-FFF2-40B4-BE49-F238E27FC236}">
-                <a16:creationId xmlns:a16="http://schemas.microsoft.com/office/drawing/2014/main" id="{F0C08A6C-D289-0F48-084B-8878874EC49F}"/>
+                <a16:creationId xmlns:a16="http://schemas.microsoft.com/office/drawing/2014/main" id="{99B9453E-DAAF-BC89-09C1-9579615068CE}"/>
               </a:ext>
             </a:extLst>
           </p:cNvPr>
@@ -1153,7 +1158,7 @@
           <p:cNvPr id="5" name="Espaço Reservado para Rodapé 4">
             <a:extLst>
               <a:ext uri="{FF2B5EF4-FFF2-40B4-BE49-F238E27FC236}">
-                <a16:creationId xmlns:a16="http://schemas.microsoft.com/office/drawing/2014/main" id="{2886C316-1D01-7A7B-82E7-39095FCBC080}"/>
+                <a16:creationId xmlns:a16="http://schemas.microsoft.com/office/drawing/2014/main" id="{86A5478A-7F41-86CC-1BAC-EAA1EF31CBED}"/>
               </a:ext>
             </a:extLst>
           </p:cNvPr>
@@ -1178,7 +1183,7 @@
           <p:cNvPr id="6" name="Espaço Reservado para Número de Slide 5">
             <a:extLst>
               <a:ext uri="{FF2B5EF4-FFF2-40B4-BE49-F238E27FC236}">
-                <a16:creationId xmlns:a16="http://schemas.microsoft.com/office/drawing/2014/main" id="{C23C867D-6BB4-9983-F4E7-EFB6FBC31269}"/>
+                <a16:creationId xmlns:a16="http://schemas.microsoft.com/office/drawing/2014/main" id="{F551A983-7825-50EB-90E2-EDC3900A79CD}"/>
               </a:ext>
             </a:extLst>
           </p:cNvPr>
@@ -1205,7 +1210,7 @@
     </p:spTree>
     <p:extLst>
       <p:ext uri="{BB962C8B-B14F-4D97-AF65-F5344CB8AC3E}">
-        <p14:creationId xmlns:p14="http://schemas.microsoft.com/office/powerpoint/2010/main" val="3347963368"/>
+        <p14:creationId xmlns:p14="http://schemas.microsoft.com/office/powerpoint/2010/main" val="2145912162"/>
       </p:ext>
     </p:extLst>
   </p:cSld>
@@ -1237,7 +1242,7 @@
           <p:cNvPr id="2" name="Título 1">
             <a:extLst>
               <a:ext uri="{FF2B5EF4-FFF2-40B4-BE49-F238E27FC236}">
-                <a16:creationId xmlns:a16="http://schemas.microsoft.com/office/drawing/2014/main" id="{C4EF2F84-DAAA-B0FF-199D-BC4DE1ADC340}"/>
+                <a16:creationId xmlns:a16="http://schemas.microsoft.com/office/drawing/2014/main" id="{E92CA39F-2B1B-5E4D-23C8-26939E5E8CE5}"/>
               </a:ext>
             </a:extLst>
           </p:cNvPr>
@@ -1266,7 +1271,7 @@
           <p:cNvPr id="3" name="Espaço Reservado para Conteúdo 2">
             <a:extLst>
               <a:ext uri="{FF2B5EF4-FFF2-40B4-BE49-F238E27FC236}">
-                <a16:creationId xmlns:a16="http://schemas.microsoft.com/office/drawing/2014/main" id="{F197C4EE-806D-9E1D-9604-8AE02A81E87B}"/>
+                <a16:creationId xmlns:a16="http://schemas.microsoft.com/office/drawing/2014/main" id="{23E3BBF7-8349-4925-A5AF-86BCD5CE8816}"/>
               </a:ext>
             </a:extLst>
           </p:cNvPr>
@@ -1329,7 +1334,7 @@
           <p:cNvPr id="4" name="Espaço Reservado para Conteúdo 3">
             <a:extLst>
               <a:ext uri="{FF2B5EF4-FFF2-40B4-BE49-F238E27FC236}">
-                <a16:creationId xmlns:a16="http://schemas.microsoft.com/office/drawing/2014/main" id="{761B6330-2873-7EC1-9F9C-177C7A419B17}"/>
+                <a16:creationId xmlns:a16="http://schemas.microsoft.com/office/drawing/2014/main" id="{9B355161-B791-93E1-A745-85B605076D35}"/>
               </a:ext>
             </a:extLst>
           </p:cNvPr>
@@ -1392,7 +1397,7 @@
           <p:cNvPr id="5" name="Espaço Reservado para Data 4">
             <a:extLst>
               <a:ext uri="{FF2B5EF4-FFF2-40B4-BE49-F238E27FC236}">
-                <a16:creationId xmlns:a16="http://schemas.microsoft.com/office/drawing/2014/main" id="{58A6601A-FF98-82EE-CAB8-761CA936E57F}"/>
+                <a16:creationId xmlns:a16="http://schemas.microsoft.com/office/drawing/2014/main" id="{7B4E7553-A35C-F1B1-0950-018E1146F194}"/>
               </a:ext>
             </a:extLst>
           </p:cNvPr>
@@ -1421,7 +1426,7 @@
           <p:cNvPr id="6" name="Espaço Reservado para Rodapé 5">
             <a:extLst>
               <a:ext uri="{FF2B5EF4-FFF2-40B4-BE49-F238E27FC236}">
-                <a16:creationId xmlns:a16="http://schemas.microsoft.com/office/drawing/2014/main" id="{C2CF5867-532E-4A32-C8EF-9DFDEC16D4A9}"/>
+                <a16:creationId xmlns:a16="http://schemas.microsoft.com/office/drawing/2014/main" id="{06360F12-EF2D-7C2D-5C6A-510FD9EC0867}"/>
               </a:ext>
             </a:extLst>
           </p:cNvPr>
@@ -1446,7 +1451,7 @@
           <p:cNvPr id="7" name="Espaço Reservado para Número de Slide 6">
             <a:extLst>
               <a:ext uri="{FF2B5EF4-FFF2-40B4-BE49-F238E27FC236}">
-                <a16:creationId xmlns:a16="http://schemas.microsoft.com/office/drawing/2014/main" id="{5B0B1B59-0EDB-8FD6-ED3E-6BAD2C3DCD66}"/>
+                <a16:creationId xmlns:a16="http://schemas.microsoft.com/office/drawing/2014/main" id="{43C65FFC-AAC6-605B-3018-2B7607636D34}"/>
               </a:ext>
             </a:extLst>
           </p:cNvPr>
@@ -1473,7 +1478,7 @@
     </p:spTree>
     <p:extLst>
       <p:ext uri="{BB962C8B-B14F-4D97-AF65-F5344CB8AC3E}">
-        <p14:creationId xmlns:p14="http://schemas.microsoft.com/office/powerpoint/2010/main" val="3338985517"/>
+        <p14:creationId xmlns:p14="http://schemas.microsoft.com/office/powerpoint/2010/main" val="2854925488"/>
       </p:ext>
     </p:extLst>
   </p:cSld>
@@ -1505,7 +1510,7 @@
           <p:cNvPr id="2" name="Título 1">
             <a:extLst>
               <a:ext uri="{FF2B5EF4-FFF2-40B4-BE49-F238E27FC236}">
-                <a16:creationId xmlns:a16="http://schemas.microsoft.com/office/drawing/2014/main" id="{2B469191-01D9-05A3-E7D9-E911442E4EED}"/>
+                <a16:creationId xmlns:a16="http://schemas.microsoft.com/office/drawing/2014/main" id="{2DFCD090-3B3E-132F-767F-D222EF0AA66B}"/>
               </a:ext>
             </a:extLst>
           </p:cNvPr>
@@ -1539,7 +1544,7 @@
           <p:cNvPr id="3" name="Espaço Reservado para Texto 2">
             <a:extLst>
               <a:ext uri="{FF2B5EF4-FFF2-40B4-BE49-F238E27FC236}">
-                <a16:creationId xmlns:a16="http://schemas.microsoft.com/office/drawing/2014/main" id="{5B794CF7-E01D-9929-7BAC-FB88B173F4FE}"/>
+                <a16:creationId xmlns:a16="http://schemas.microsoft.com/office/drawing/2014/main" id="{81389438-4AC9-0710-F17B-6891D0B2AE4A}"/>
               </a:ext>
             </a:extLst>
           </p:cNvPr>
@@ -1610,7 +1615,7 @@
           <p:cNvPr id="4" name="Espaço Reservado para Conteúdo 3">
             <a:extLst>
               <a:ext uri="{FF2B5EF4-FFF2-40B4-BE49-F238E27FC236}">
-                <a16:creationId xmlns:a16="http://schemas.microsoft.com/office/drawing/2014/main" id="{8BF5BCD4-D3CF-0793-46C9-6D7277D79650}"/>
+                <a16:creationId xmlns:a16="http://schemas.microsoft.com/office/drawing/2014/main" id="{75FAFDCE-AB99-340F-2FC4-C23D77F395CB}"/>
               </a:ext>
             </a:extLst>
           </p:cNvPr>
@@ -1673,7 +1678,7 @@
           <p:cNvPr id="5" name="Espaço Reservado para Texto 4">
             <a:extLst>
               <a:ext uri="{FF2B5EF4-FFF2-40B4-BE49-F238E27FC236}">
-                <a16:creationId xmlns:a16="http://schemas.microsoft.com/office/drawing/2014/main" id="{26867AB9-7D66-71F5-061E-3C38B8C0ED66}"/>
+                <a16:creationId xmlns:a16="http://schemas.microsoft.com/office/drawing/2014/main" id="{1B27FFE2-22CF-DB42-0377-F9DFDAF91E3E}"/>
               </a:ext>
             </a:extLst>
           </p:cNvPr>
@@ -1744,7 +1749,7 @@
           <p:cNvPr id="6" name="Espaço Reservado para Conteúdo 5">
             <a:extLst>
               <a:ext uri="{FF2B5EF4-FFF2-40B4-BE49-F238E27FC236}">
-                <a16:creationId xmlns:a16="http://schemas.microsoft.com/office/drawing/2014/main" id="{1CBABDCC-3B80-6EFF-7345-2AF50C302084}"/>
+                <a16:creationId xmlns:a16="http://schemas.microsoft.com/office/drawing/2014/main" id="{C9BD6FF8-79E8-2D23-B8D0-35A26F338DDD}"/>
               </a:ext>
             </a:extLst>
           </p:cNvPr>
@@ -1807,7 +1812,7 @@
           <p:cNvPr id="7" name="Espaço Reservado para Data 6">
             <a:extLst>
               <a:ext uri="{FF2B5EF4-FFF2-40B4-BE49-F238E27FC236}">
-                <a16:creationId xmlns:a16="http://schemas.microsoft.com/office/drawing/2014/main" id="{EC387D31-49EB-58A0-DEAF-17F815D06EC6}"/>
+                <a16:creationId xmlns:a16="http://schemas.microsoft.com/office/drawing/2014/main" id="{DE4DDD53-1064-6CD3-49A9-51ED4715F707}"/>
               </a:ext>
             </a:extLst>
           </p:cNvPr>
@@ -1836,7 +1841,7 @@
           <p:cNvPr id="8" name="Espaço Reservado para Rodapé 7">
             <a:extLst>
               <a:ext uri="{FF2B5EF4-FFF2-40B4-BE49-F238E27FC236}">
-                <a16:creationId xmlns:a16="http://schemas.microsoft.com/office/drawing/2014/main" id="{77660234-60F7-4832-7F39-65BF728537A3}"/>
+                <a16:creationId xmlns:a16="http://schemas.microsoft.com/office/drawing/2014/main" id="{D761CD44-EF1C-0E8C-DA4E-382FEAA47E28}"/>
               </a:ext>
             </a:extLst>
           </p:cNvPr>
@@ -1861,7 +1866,7 @@
           <p:cNvPr id="9" name="Espaço Reservado para Número de Slide 8">
             <a:extLst>
               <a:ext uri="{FF2B5EF4-FFF2-40B4-BE49-F238E27FC236}">
-                <a16:creationId xmlns:a16="http://schemas.microsoft.com/office/drawing/2014/main" id="{AD1CE751-952F-880A-4FD4-7A232F6218BF}"/>
+                <a16:creationId xmlns:a16="http://schemas.microsoft.com/office/drawing/2014/main" id="{A3AF33A4-BD95-B9CC-AB06-CFEE86B010F4}"/>
               </a:ext>
             </a:extLst>
           </p:cNvPr>
@@ -1888,7 +1893,7 @@
     </p:spTree>
     <p:extLst>
       <p:ext uri="{BB962C8B-B14F-4D97-AF65-F5344CB8AC3E}">
-        <p14:creationId xmlns:p14="http://schemas.microsoft.com/office/powerpoint/2010/main" val="939464789"/>
+        <p14:creationId xmlns:p14="http://schemas.microsoft.com/office/powerpoint/2010/main" val="1862263873"/>
       </p:ext>
     </p:extLst>
   </p:cSld>
@@ -1920,7 +1925,7 @@
           <p:cNvPr id="2" name="Título 1">
             <a:extLst>
               <a:ext uri="{FF2B5EF4-FFF2-40B4-BE49-F238E27FC236}">
-                <a16:creationId xmlns:a16="http://schemas.microsoft.com/office/drawing/2014/main" id="{47F8F0BD-02C5-C396-32FD-EF7D2785473A}"/>
+                <a16:creationId xmlns:a16="http://schemas.microsoft.com/office/drawing/2014/main" id="{237D3401-0300-45CD-159C-407F10DED77A}"/>
               </a:ext>
             </a:extLst>
           </p:cNvPr>
@@ -1949,7 +1954,7 @@
           <p:cNvPr id="3" name="Espaço Reservado para Data 2">
             <a:extLst>
               <a:ext uri="{FF2B5EF4-FFF2-40B4-BE49-F238E27FC236}">
-                <a16:creationId xmlns:a16="http://schemas.microsoft.com/office/drawing/2014/main" id="{454886F8-0C4A-B4EF-B6DC-769494220384}"/>
+                <a16:creationId xmlns:a16="http://schemas.microsoft.com/office/drawing/2014/main" id="{FDAA4E63-6CFB-968A-8871-658DD9257F52}"/>
               </a:ext>
             </a:extLst>
           </p:cNvPr>
@@ -1978,7 +1983,7 @@
           <p:cNvPr id="4" name="Espaço Reservado para Rodapé 3">
             <a:extLst>
               <a:ext uri="{FF2B5EF4-FFF2-40B4-BE49-F238E27FC236}">
-                <a16:creationId xmlns:a16="http://schemas.microsoft.com/office/drawing/2014/main" id="{B7DFC161-199D-E611-F9D9-6378719AB5EF}"/>
+                <a16:creationId xmlns:a16="http://schemas.microsoft.com/office/drawing/2014/main" id="{23B3D45E-4895-EFF3-5C3C-19D0A367807B}"/>
               </a:ext>
             </a:extLst>
           </p:cNvPr>
@@ -2003,7 +2008,7 @@
           <p:cNvPr id="5" name="Espaço Reservado para Número de Slide 4">
             <a:extLst>
               <a:ext uri="{FF2B5EF4-FFF2-40B4-BE49-F238E27FC236}">
-                <a16:creationId xmlns:a16="http://schemas.microsoft.com/office/drawing/2014/main" id="{DA8ABED7-155E-FCF0-4337-D047085AA6E1}"/>
+                <a16:creationId xmlns:a16="http://schemas.microsoft.com/office/drawing/2014/main" id="{CD2E0832-3CEA-1165-EB2A-6CBDA74176EE}"/>
               </a:ext>
             </a:extLst>
           </p:cNvPr>
@@ -2030,7 +2035,7 @@
     </p:spTree>
     <p:extLst>
       <p:ext uri="{BB962C8B-B14F-4D97-AF65-F5344CB8AC3E}">
-        <p14:creationId xmlns:p14="http://schemas.microsoft.com/office/powerpoint/2010/main" val="977413888"/>
+        <p14:creationId xmlns:p14="http://schemas.microsoft.com/office/powerpoint/2010/main" val="2363755976"/>
       </p:ext>
     </p:extLst>
   </p:cSld>
@@ -2062,7 +2067,7 @@
           <p:cNvPr id="2" name="Espaço Reservado para Data 1">
             <a:extLst>
               <a:ext uri="{FF2B5EF4-FFF2-40B4-BE49-F238E27FC236}">
-                <a16:creationId xmlns:a16="http://schemas.microsoft.com/office/drawing/2014/main" id="{94990318-FBE2-14F0-FC54-1591E3E27025}"/>
+                <a16:creationId xmlns:a16="http://schemas.microsoft.com/office/drawing/2014/main" id="{B2EACCA5-8F95-CD1A-3B49-4A3699C682D7}"/>
               </a:ext>
             </a:extLst>
           </p:cNvPr>
@@ -2091,7 +2096,7 @@
           <p:cNvPr id="3" name="Espaço Reservado para Rodapé 2">
             <a:extLst>
               <a:ext uri="{FF2B5EF4-FFF2-40B4-BE49-F238E27FC236}">
-                <a16:creationId xmlns:a16="http://schemas.microsoft.com/office/drawing/2014/main" id="{8A9C809A-AA3D-2539-8A17-B5CDCA72AC7E}"/>
+                <a16:creationId xmlns:a16="http://schemas.microsoft.com/office/drawing/2014/main" id="{D179CDB1-B32C-0B24-FAAD-7FAC7CF5F39C}"/>
               </a:ext>
             </a:extLst>
           </p:cNvPr>
@@ -2116,7 +2121,7 @@
           <p:cNvPr id="4" name="Espaço Reservado para Número de Slide 3">
             <a:extLst>
               <a:ext uri="{FF2B5EF4-FFF2-40B4-BE49-F238E27FC236}">
-                <a16:creationId xmlns:a16="http://schemas.microsoft.com/office/drawing/2014/main" id="{E86DFB44-47CF-CD1C-8A87-8E57E4314B93}"/>
+                <a16:creationId xmlns:a16="http://schemas.microsoft.com/office/drawing/2014/main" id="{DE2256A9-0E51-93A7-66BF-4AFA032F4E23}"/>
               </a:ext>
             </a:extLst>
           </p:cNvPr>
@@ -2143,7 +2148,7 @@
     </p:spTree>
     <p:extLst>
       <p:ext uri="{BB962C8B-B14F-4D97-AF65-F5344CB8AC3E}">
-        <p14:creationId xmlns:p14="http://schemas.microsoft.com/office/powerpoint/2010/main" val="3896204520"/>
+        <p14:creationId xmlns:p14="http://schemas.microsoft.com/office/powerpoint/2010/main" val="2128591546"/>
       </p:ext>
     </p:extLst>
   </p:cSld>
@@ -2175,7 +2180,7 @@
           <p:cNvPr id="2" name="Título 1">
             <a:extLst>
               <a:ext uri="{FF2B5EF4-FFF2-40B4-BE49-F238E27FC236}">
-                <a16:creationId xmlns:a16="http://schemas.microsoft.com/office/drawing/2014/main" id="{A55924EB-CF5D-C8FA-1DF6-26F21325A32C}"/>
+                <a16:creationId xmlns:a16="http://schemas.microsoft.com/office/drawing/2014/main" id="{173A1175-6CB7-3539-A646-C7E2E79CA757}"/>
               </a:ext>
             </a:extLst>
           </p:cNvPr>
@@ -2213,7 +2218,7 @@
           <p:cNvPr id="3" name="Espaço Reservado para Conteúdo 2">
             <a:extLst>
               <a:ext uri="{FF2B5EF4-FFF2-40B4-BE49-F238E27FC236}">
-                <a16:creationId xmlns:a16="http://schemas.microsoft.com/office/drawing/2014/main" id="{46F22151-9ACA-389E-6AA2-537222308219}"/>
+                <a16:creationId xmlns:a16="http://schemas.microsoft.com/office/drawing/2014/main" id="{4C4F3B46-15B7-066E-129C-AA066E5C4BDA}"/>
               </a:ext>
             </a:extLst>
           </p:cNvPr>
@@ -2304,7 +2309,7 @@
           <p:cNvPr id="4" name="Espaço Reservado para Texto 3">
             <a:extLst>
               <a:ext uri="{FF2B5EF4-FFF2-40B4-BE49-F238E27FC236}">
-                <a16:creationId xmlns:a16="http://schemas.microsoft.com/office/drawing/2014/main" id="{C294549A-E62A-72B7-2790-55716D37D6AB}"/>
+                <a16:creationId xmlns:a16="http://schemas.microsoft.com/office/drawing/2014/main" id="{1068EAD8-2EC6-668C-C25A-5439F318A712}"/>
               </a:ext>
             </a:extLst>
           </p:cNvPr>
@@ -2375,7 +2380,7 @@
           <p:cNvPr id="5" name="Espaço Reservado para Data 4">
             <a:extLst>
               <a:ext uri="{FF2B5EF4-FFF2-40B4-BE49-F238E27FC236}">
-                <a16:creationId xmlns:a16="http://schemas.microsoft.com/office/drawing/2014/main" id="{DAACEA19-76B4-7EB7-3620-70B84446BD23}"/>
+                <a16:creationId xmlns:a16="http://schemas.microsoft.com/office/drawing/2014/main" id="{DDC51B7B-6AAC-C72B-50D9-06586A21404E}"/>
               </a:ext>
             </a:extLst>
           </p:cNvPr>
@@ -2404,7 +2409,7 @@
           <p:cNvPr id="6" name="Espaço Reservado para Rodapé 5">
             <a:extLst>
               <a:ext uri="{FF2B5EF4-FFF2-40B4-BE49-F238E27FC236}">
-                <a16:creationId xmlns:a16="http://schemas.microsoft.com/office/drawing/2014/main" id="{BDD095EB-2546-1184-FC40-93916D6F94C6}"/>
+                <a16:creationId xmlns:a16="http://schemas.microsoft.com/office/drawing/2014/main" id="{75F62E40-C46E-CC4D-F8DA-B0D39AD75EC5}"/>
               </a:ext>
             </a:extLst>
           </p:cNvPr>
@@ -2429,7 +2434,7 @@
           <p:cNvPr id="7" name="Espaço Reservado para Número de Slide 6">
             <a:extLst>
               <a:ext uri="{FF2B5EF4-FFF2-40B4-BE49-F238E27FC236}">
-                <a16:creationId xmlns:a16="http://schemas.microsoft.com/office/drawing/2014/main" id="{DAB48752-9BA0-A141-87B2-B35E4D0085B3}"/>
+                <a16:creationId xmlns:a16="http://schemas.microsoft.com/office/drawing/2014/main" id="{FFA6C79D-2F1F-114E-8F4F-0FC112CFC846}"/>
               </a:ext>
             </a:extLst>
           </p:cNvPr>
@@ -2456,7 +2461,7 @@
     </p:spTree>
     <p:extLst>
       <p:ext uri="{BB962C8B-B14F-4D97-AF65-F5344CB8AC3E}">
-        <p14:creationId xmlns:p14="http://schemas.microsoft.com/office/powerpoint/2010/main" val="336697397"/>
+        <p14:creationId xmlns:p14="http://schemas.microsoft.com/office/powerpoint/2010/main" val="2811746174"/>
       </p:ext>
     </p:extLst>
   </p:cSld>
@@ -2488,7 +2493,7 @@
           <p:cNvPr id="2" name="Título 1">
             <a:extLst>
               <a:ext uri="{FF2B5EF4-FFF2-40B4-BE49-F238E27FC236}">
-                <a16:creationId xmlns:a16="http://schemas.microsoft.com/office/drawing/2014/main" id="{16B498EF-D0C4-4ED7-E7E7-C82791E01C7F}"/>
+                <a16:creationId xmlns:a16="http://schemas.microsoft.com/office/drawing/2014/main" id="{885289B5-4890-9338-AD53-FA3733AECBA0}"/>
               </a:ext>
             </a:extLst>
           </p:cNvPr>
@@ -2526,7 +2531,7 @@
           <p:cNvPr id="3" name="Espaço Reservado para Imagem 2">
             <a:extLst>
               <a:ext uri="{FF2B5EF4-FFF2-40B4-BE49-F238E27FC236}">
-                <a16:creationId xmlns:a16="http://schemas.microsoft.com/office/drawing/2014/main" id="{F085A2E1-AB0F-B2B5-1BBC-E9FA372032C0}"/>
+                <a16:creationId xmlns:a16="http://schemas.microsoft.com/office/drawing/2014/main" id="{4754E61C-7099-2EC7-4CB3-70C4B732EC4D}"/>
               </a:ext>
             </a:extLst>
           </p:cNvPr>
@@ -2593,7 +2598,7 @@
           <p:cNvPr id="4" name="Espaço Reservado para Texto 3">
             <a:extLst>
               <a:ext uri="{FF2B5EF4-FFF2-40B4-BE49-F238E27FC236}">
-                <a16:creationId xmlns:a16="http://schemas.microsoft.com/office/drawing/2014/main" id="{BC83E071-6BF8-4D7A-6205-77B8B02D23B0}"/>
+                <a16:creationId xmlns:a16="http://schemas.microsoft.com/office/drawing/2014/main" id="{2347CF5B-638C-F6CF-B62D-4D63CB57006A}"/>
               </a:ext>
             </a:extLst>
           </p:cNvPr>
@@ -2664,7 +2669,7 @@
           <p:cNvPr id="5" name="Espaço Reservado para Data 4">
             <a:extLst>
               <a:ext uri="{FF2B5EF4-FFF2-40B4-BE49-F238E27FC236}">
-                <a16:creationId xmlns:a16="http://schemas.microsoft.com/office/drawing/2014/main" id="{B5B1B9F5-B34B-2925-907E-A9792D58560F}"/>
+                <a16:creationId xmlns:a16="http://schemas.microsoft.com/office/drawing/2014/main" id="{4DD222AE-51AA-DE67-D5B8-588B451A5FE0}"/>
               </a:ext>
             </a:extLst>
           </p:cNvPr>
@@ -2693,7 +2698,7 @@
           <p:cNvPr id="6" name="Espaço Reservado para Rodapé 5">
             <a:extLst>
               <a:ext uri="{FF2B5EF4-FFF2-40B4-BE49-F238E27FC236}">
-                <a16:creationId xmlns:a16="http://schemas.microsoft.com/office/drawing/2014/main" id="{8237CD43-69C3-0E21-71A2-F3D97928C2E1}"/>
+                <a16:creationId xmlns:a16="http://schemas.microsoft.com/office/drawing/2014/main" id="{4810F5B2-DA2C-6BC4-7A3A-ECAAAC3D51AF}"/>
               </a:ext>
             </a:extLst>
           </p:cNvPr>
@@ -2718,7 +2723,7 @@
           <p:cNvPr id="7" name="Espaço Reservado para Número de Slide 6">
             <a:extLst>
               <a:ext uri="{FF2B5EF4-FFF2-40B4-BE49-F238E27FC236}">
-                <a16:creationId xmlns:a16="http://schemas.microsoft.com/office/drawing/2014/main" id="{C042E746-9CD8-2F52-F45C-4BA23A68EACA}"/>
+                <a16:creationId xmlns:a16="http://schemas.microsoft.com/office/drawing/2014/main" id="{468C74EF-A042-DB48-FABD-DCC478FA2854}"/>
               </a:ext>
             </a:extLst>
           </p:cNvPr>
@@ -2745,7 +2750,7 @@
     </p:spTree>
     <p:extLst>
       <p:ext uri="{BB962C8B-B14F-4D97-AF65-F5344CB8AC3E}">
-        <p14:creationId xmlns:p14="http://schemas.microsoft.com/office/powerpoint/2010/main" val="3951110871"/>
+        <p14:creationId xmlns:p14="http://schemas.microsoft.com/office/powerpoint/2010/main" val="377792557"/>
       </p:ext>
     </p:extLst>
   </p:cSld>
@@ -2782,7 +2787,7 @@
           <p:cNvPr id="2" name="Espaço Reservado para Título 1">
             <a:extLst>
               <a:ext uri="{FF2B5EF4-FFF2-40B4-BE49-F238E27FC236}">
-                <a16:creationId xmlns:a16="http://schemas.microsoft.com/office/drawing/2014/main" id="{30912556-38A4-71D8-9A31-544F363BDB77}"/>
+                <a16:creationId xmlns:a16="http://schemas.microsoft.com/office/drawing/2014/main" id="{0641A71A-2BD0-9B9D-0B92-154A612B8D68}"/>
               </a:ext>
             </a:extLst>
           </p:cNvPr>
@@ -2821,7 +2826,7 @@
           <p:cNvPr id="3" name="Espaço Reservado para Texto 2">
             <a:extLst>
               <a:ext uri="{FF2B5EF4-FFF2-40B4-BE49-F238E27FC236}">
-                <a16:creationId xmlns:a16="http://schemas.microsoft.com/office/drawing/2014/main" id="{BBA72CBE-4BF5-679B-5639-A31AF95B0A78}"/>
+                <a16:creationId xmlns:a16="http://schemas.microsoft.com/office/drawing/2014/main" id="{35F109D5-6C9B-C9E5-9AA4-FE0EED972F1B}"/>
               </a:ext>
             </a:extLst>
           </p:cNvPr>
@@ -2889,7 +2894,7 @@
           <p:cNvPr id="4" name="Espaço Reservado para Data 3">
             <a:extLst>
               <a:ext uri="{FF2B5EF4-FFF2-40B4-BE49-F238E27FC236}">
-                <a16:creationId xmlns:a16="http://schemas.microsoft.com/office/drawing/2014/main" id="{63E3B6DF-CD49-3F54-99D7-19CDDB904C84}"/>
+                <a16:creationId xmlns:a16="http://schemas.microsoft.com/office/drawing/2014/main" id="{A2F93C94-A616-6584-B100-C419A58A0E80}"/>
               </a:ext>
             </a:extLst>
           </p:cNvPr>
@@ -2936,7 +2941,7 @@
           <p:cNvPr id="5" name="Espaço Reservado para Rodapé 4">
             <a:extLst>
               <a:ext uri="{FF2B5EF4-FFF2-40B4-BE49-F238E27FC236}">
-                <a16:creationId xmlns:a16="http://schemas.microsoft.com/office/drawing/2014/main" id="{36E36684-36AB-55CB-3FCE-22C2FD8F2F31}"/>
+                <a16:creationId xmlns:a16="http://schemas.microsoft.com/office/drawing/2014/main" id="{E09AECF1-4003-541B-D637-358DE1CA5D38}"/>
               </a:ext>
             </a:extLst>
           </p:cNvPr>
@@ -2979,7 +2984,7 @@
           <p:cNvPr id="6" name="Espaço Reservado para Número de Slide 5">
             <a:extLst>
               <a:ext uri="{FF2B5EF4-FFF2-40B4-BE49-F238E27FC236}">
-                <a16:creationId xmlns:a16="http://schemas.microsoft.com/office/drawing/2014/main" id="{03E76E56-D892-5906-8E80-7D9CC88DBF5A}"/>
+                <a16:creationId xmlns:a16="http://schemas.microsoft.com/office/drawing/2014/main" id="{AEE7BA1E-9DCB-0D2C-D0DF-8E044AD245A6}"/>
               </a:ext>
             </a:extLst>
           </p:cNvPr>
@@ -3024,23 +3029,23 @@
     </p:spTree>
     <p:extLst>
       <p:ext uri="{BB962C8B-B14F-4D97-AF65-F5344CB8AC3E}">
-        <p14:creationId xmlns:p14="http://schemas.microsoft.com/office/powerpoint/2010/main" val="2234351093"/>
+        <p14:creationId xmlns:p14="http://schemas.microsoft.com/office/powerpoint/2010/main" val="2963099850"/>
       </p:ext>
     </p:extLst>
   </p:cSld>
   <p:clrMap bg1="lt1" tx1="dk1" bg2="lt2" tx2="dk2" accent1="accent1" accent2="accent2" accent3="accent3" accent4="accent4" accent5="accent5" accent6="accent6" hlink="hlink" folHlink="folHlink"/>
   <p:sldLayoutIdLst>
-    <p:sldLayoutId id="2147483649" r:id="rId1"/>
-    <p:sldLayoutId id="2147483650" r:id="rId2"/>
-    <p:sldLayoutId id="2147483651" r:id="rId3"/>
-    <p:sldLayoutId id="2147483652" r:id="rId4"/>
-    <p:sldLayoutId id="2147483653" r:id="rId5"/>
-    <p:sldLayoutId id="2147483654" r:id="rId6"/>
-    <p:sldLayoutId id="2147483655" r:id="rId7"/>
-    <p:sldLayoutId id="2147483656" r:id="rId8"/>
-    <p:sldLayoutId id="2147483657" r:id="rId9"/>
-    <p:sldLayoutId id="2147483658" r:id="rId10"/>
-    <p:sldLayoutId id="2147483659" r:id="rId11"/>
+    <p:sldLayoutId id="2147483673" r:id="rId1"/>
+    <p:sldLayoutId id="2147483674" r:id="rId2"/>
+    <p:sldLayoutId id="2147483675" r:id="rId3"/>
+    <p:sldLayoutId id="2147483676" r:id="rId4"/>
+    <p:sldLayoutId id="2147483677" r:id="rId5"/>
+    <p:sldLayoutId id="2147483678" r:id="rId6"/>
+    <p:sldLayoutId id="2147483679" r:id="rId7"/>
+    <p:sldLayoutId id="2147483680" r:id="rId8"/>
+    <p:sldLayoutId id="2147483681" r:id="rId9"/>
+    <p:sldLayoutId id="2147483682" r:id="rId10"/>
+    <p:sldLayoutId id="2147483683" r:id="rId11"/>
   </p:sldLayoutIdLst>
   <p:txStyles>
     <p:titleStyle>
@@ -3328,6 +3333,16 @@
 <file path=ppt/slides/slide1.xml><?xml version="1.0" encoding="utf-8"?>
 <p:sld xmlns:a="http://schemas.openxmlformats.org/drawingml/2006/main" xmlns:r="http://schemas.openxmlformats.org/officeDocument/2006/relationships" xmlns:p="http://schemas.openxmlformats.org/presentationml/2006/main">
   <p:cSld>
+    <p:bg>
+      <p:bgPr>
+        <a:solidFill>
+          <a:schemeClr val="bg2">
+            <a:alpha val="40964"/>
+          </a:schemeClr>
+        </a:solidFill>
+        <a:effectLst/>
+      </p:bgPr>
+    </p:bg>
     <p:spTree>
       <p:nvGrpSpPr>
         <p:cNvPr id="1" name=""/>
@@ -3356,7 +3371,7 @@
         </p:nvSpPr>
         <p:spPr>
           <a:xfrm>
-            <a:off x="704193" y="305068"/>
+            <a:off x="777766" y="263027"/>
             <a:ext cx="5843752" cy="4524315"/>
           </a:xfrm>
           <a:prstGeom prst="rect">
@@ -3723,7 +3738,7 @@
         </p:nvSpPr>
         <p:spPr>
           <a:xfrm>
-            <a:off x="5570483" y="305068"/>
+            <a:off x="5980387" y="263027"/>
             <a:ext cx="5843752" cy="6247864"/>
           </a:xfrm>
           <a:prstGeom prst="rect">
@@ -4098,6 +4113,66 @@
               </a:rPr>
               <a:t>11:00 - 12:00</a:t>
             </a:r>
+          </a:p>
+        </p:txBody>
+      </p:sp>
+      <p:sp>
+        <p:nvSpPr>
+          <p:cNvPr id="2" name="Quadro 1">
+            <a:extLst>
+              <a:ext uri="{FF2B5EF4-FFF2-40B4-BE49-F238E27FC236}">
+                <a16:creationId xmlns:a16="http://schemas.microsoft.com/office/drawing/2014/main" id="{924CE004-23F3-C93B-E7C7-B5677C77CFD4}"/>
+              </a:ext>
+            </a:extLst>
+          </p:cNvPr>
+          <p:cNvSpPr/>
+          <p:nvPr/>
+        </p:nvSpPr>
+        <p:spPr>
+          <a:xfrm>
+            <a:off x="0" y="0"/>
+            <a:ext cx="12192000" cy="6858000"/>
+          </a:xfrm>
+          <a:prstGeom prst="frame">
+            <a:avLst>
+              <a:gd name="adj1" fmla="val 2079"/>
+            </a:avLst>
+          </a:prstGeom>
+          <a:solidFill>
+            <a:srgbClr val="16489F"/>
+          </a:solidFill>
+          <a:ln>
+            <a:solidFill>
+              <a:srgbClr val="16489F"/>
+            </a:solidFill>
+          </a:ln>
+        </p:spPr>
+        <p:style>
+          <a:lnRef idx="2">
+            <a:schemeClr val="accent1">
+              <a:shade val="50000"/>
+            </a:schemeClr>
+          </a:lnRef>
+          <a:fillRef idx="1">
+            <a:schemeClr val="accent1"/>
+          </a:fillRef>
+          <a:effectRef idx="0">
+            <a:schemeClr val="accent1"/>
+          </a:effectRef>
+          <a:fontRef idx="minor">
+            <a:schemeClr val="lt1"/>
+          </a:fontRef>
+        </p:style>
+        <p:txBody>
+          <a:bodyPr rtlCol="0" anchor="ctr"/>
+          <a:lstStyle/>
+          <a:p>
+            <a:pPr algn="ctr"/>
+            <a:endParaRPr lang="fr-CA" dirty="0">
+              <a:solidFill>
+                <a:schemeClr val="tx1"/>
+              </a:solidFill>
+            </a:endParaRPr>
           </a:p>
         </p:txBody>
       </p:sp>

--- a/Programacao.pptx
+++ b/Programacao.pptx
@@ -261,7 +261,7 @@
           <a:p>
             <a:fld id="{365CEE31-51F0-6C44-81ED-2E3436CFFD12}" type="datetimeFigureOut">
               <a:rPr lang="fr-CA" smtClean="0"/>
-              <a:t>2022-11-23</a:t>
+              <a:t>2022-11-28</a:t>
             </a:fld>
             <a:endParaRPr lang="fr-CA"/>
           </a:p>
@@ -461,7 +461,7 @@
           <a:p>
             <a:fld id="{365CEE31-51F0-6C44-81ED-2E3436CFFD12}" type="datetimeFigureOut">
               <a:rPr lang="fr-CA" smtClean="0"/>
-              <a:t>2022-11-23</a:t>
+              <a:t>2022-11-28</a:t>
             </a:fld>
             <a:endParaRPr lang="fr-CA"/>
           </a:p>
@@ -671,7 +671,7 @@
           <a:p>
             <a:fld id="{365CEE31-51F0-6C44-81ED-2E3436CFFD12}" type="datetimeFigureOut">
               <a:rPr lang="fr-CA" smtClean="0"/>
-              <a:t>2022-11-23</a:t>
+              <a:t>2022-11-28</a:t>
             </a:fld>
             <a:endParaRPr lang="fr-CA"/>
           </a:p>
@@ -871,7 +871,7 @@
           <a:p>
             <a:fld id="{365CEE31-51F0-6C44-81ED-2E3436CFFD12}" type="datetimeFigureOut">
               <a:rPr lang="fr-CA" smtClean="0"/>
-              <a:t>2022-11-23</a:t>
+              <a:t>2022-11-28</a:t>
             </a:fld>
             <a:endParaRPr lang="fr-CA"/>
           </a:p>
@@ -1147,7 +1147,7 @@
           <a:p>
             <a:fld id="{365CEE31-51F0-6C44-81ED-2E3436CFFD12}" type="datetimeFigureOut">
               <a:rPr lang="fr-CA" smtClean="0"/>
-              <a:t>2022-11-23</a:t>
+              <a:t>2022-11-28</a:t>
             </a:fld>
             <a:endParaRPr lang="fr-CA"/>
           </a:p>
@@ -1415,7 +1415,7 @@
           <a:p>
             <a:fld id="{365CEE31-51F0-6C44-81ED-2E3436CFFD12}" type="datetimeFigureOut">
               <a:rPr lang="fr-CA" smtClean="0"/>
-              <a:t>2022-11-23</a:t>
+              <a:t>2022-11-28</a:t>
             </a:fld>
             <a:endParaRPr lang="fr-CA"/>
           </a:p>
@@ -1830,7 +1830,7 @@
           <a:p>
             <a:fld id="{365CEE31-51F0-6C44-81ED-2E3436CFFD12}" type="datetimeFigureOut">
               <a:rPr lang="fr-CA" smtClean="0"/>
-              <a:t>2022-11-23</a:t>
+              <a:t>2022-11-28</a:t>
             </a:fld>
             <a:endParaRPr lang="fr-CA"/>
           </a:p>
@@ -1972,7 +1972,7 @@
           <a:p>
             <a:fld id="{365CEE31-51F0-6C44-81ED-2E3436CFFD12}" type="datetimeFigureOut">
               <a:rPr lang="fr-CA" smtClean="0"/>
-              <a:t>2022-11-23</a:t>
+              <a:t>2022-11-28</a:t>
             </a:fld>
             <a:endParaRPr lang="fr-CA"/>
           </a:p>
@@ -2085,7 +2085,7 @@
           <a:p>
             <a:fld id="{365CEE31-51F0-6C44-81ED-2E3436CFFD12}" type="datetimeFigureOut">
               <a:rPr lang="fr-CA" smtClean="0"/>
-              <a:t>2022-11-23</a:t>
+              <a:t>2022-11-28</a:t>
             </a:fld>
             <a:endParaRPr lang="fr-CA"/>
           </a:p>
@@ -2398,7 +2398,7 @@
           <a:p>
             <a:fld id="{365CEE31-51F0-6C44-81ED-2E3436CFFD12}" type="datetimeFigureOut">
               <a:rPr lang="fr-CA" smtClean="0"/>
-              <a:t>2022-11-23</a:t>
+              <a:t>2022-11-28</a:t>
             </a:fld>
             <a:endParaRPr lang="fr-CA"/>
           </a:p>
@@ -2687,7 +2687,7 @@
           <a:p>
             <a:fld id="{365CEE31-51F0-6C44-81ED-2E3436CFFD12}" type="datetimeFigureOut">
               <a:rPr lang="fr-CA" smtClean="0"/>
-              <a:t>2022-11-23</a:t>
+              <a:t>2022-11-28</a:t>
             </a:fld>
             <a:endParaRPr lang="fr-CA"/>
           </a:p>
@@ -2930,7 +2930,7 @@
           <a:p>
             <a:fld id="{365CEE31-51F0-6C44-81ED-2E3436CFFD12}" type="datetimeFigureOut">
               <a:rPr lang="fr-CA" smtClean="0"/>
-              <a:t>2022-11-23</a:t>
+              <a:t>2022-11-28</a:t>
             </a:fld>
             <a:endParaRPr lang="fr-CA"/>
           </a:p>
@@ -3371,8 +3371,8 @@
         </p:nvSpPr>
         <p:spPr>
           <a:xfrm>
-            <a:off x="777766" y="263027"/>
-            <a:ext cx="5843752" cy="4524315"/>
+            <a:off x="420414" y="335845"/>
+            <a:ext cx="5843752" cy="5632311"/>
           </a:xfrm>
           <a:prstGeom prst="rect">
             <a:avLst/>
@@ -3387,7 +3387,7 @@
           <a:p>
             <a:pPr algn="l"/>
             <a:r>
-              <a:rPr lang="pt-BR" sz="1600" b="1" i="0" noProof="1">
+              <a:rPr lang="pt-BR" b="1" i="0" noProof="1">
                 <a:solidFill>
                   <a:srgbClr val="191F28"/>
                 </a:solidFill>
@@ -3397,7 +3397,7 @@
               </a:rPr>
               <a:t>Dia 01 - 06/12 (ter)</a:t>
             </a:r>
-            <a:endParaRPr lang="pt-BR" sz="1600" b="0" i="0" noProof="1">
+            <a:endParaRPr lang="pt-BR" b="0" i="0" noProof="1">
               <a:solidFill>
                 <a:srgbClr val="191F28"/>
               </a:solidFill>
@@ -3412,7 +3412,7 @@
               <a:buChar char="•"/>
             </a:pPr>
             <a:r>
-              <a:rPr lang="pt-BR" sz="1600" i="0" noProof="1">
+              <a:rPr lang="pt-BR" i="0" noProof="1">
                 <a:effectLst/>
                 <a:latin typeface="Arial" panose="020B0604020202020204" pitchFamily="34" charset="0"/>
                 <a:cs typeface="Arial" panose="020B0604020202020204" pitchFamily="34" charset="0"/>
@@ -3426,34 +3426,41 @@
               <a:buChar char="•"/>
             </a:pPr>
             <a:r>
-              <a:rPr lang="pt-BR" sz="1600" i="0" noProof="1">
-                <a:effectLst/>
-                <a:latin typeface="Arial" panose="020B0604020202020204" pitchFamily="34" charset="0"/>
-                <a:cs typeface="Arial" panose="020B0604020202020204" pitchFamily="34" charset="0"/>
-              </a:rPr>
-              <a:t>Robson Urschei</a:t>
-            </a:r>
-          </a:p>
-          <a:p>
-            <a:pPr marL="742950" lvl="1" indent="-285750">
-              <a:buFont typeface="Arial" panose="020B0604020202020204" pitchFamily="34" charset="0"/>
-              <a:buChar char="•"/>
-            </a:pPr>
-            <a:r>
-              <a:rPr lang="pt-BR" sz="1600" b="0" i="0" noProof="1">
-                <a:solidFill>
-                  <a:srgbClr val="191F28"/>
-                </a:solidFill>
-                <a:effectLst/>
-                <a:latin typeface="Arial" panose="020B0604020202020204" pitchFamily="34" charset="0"/>
-                <a:cs typeface="Arial" panose="020B0604020202020204" pitchFamily="34" charset="0"/>
-              </a:rPr>
-              <a:t>19:30 - 21:00</a:t>
-            </a:r>
+              <a:rPr lang="pt-BR" dirty="0">
+                <a:latin typeface="Arial" panose="020B0604020202020204" pitchFamily="34" charset="0"/>
+                <a:cs typeface="Arial" panose="020B0604020202020204" pitchFamily="34" charset="0"/>
+              </a:rPr>
+              <a:t>Robson </a:t>
+            </a:r>
+            <a:r>
+              <a:rPr lang="pt-BR" dirty="0" err="1">
+                <a:latin typeface="Arial" panose="020B0604020202020204" pitchFamily="34" charset="0"/>
+                <a:cs typeface="Arial" panose="020B0604020202020204" pitchFamily="34" charset="0"/>
+              </a:rPr>
+              <a:t>Urschei</a:t>
+            </a:r>
+            <a:r>
+              <a:rPr lang="pt-BR" dirty="0">
+                <a:latin typeface="Arial" panose="020B0604020202020204" pitchFamily="34" charset="0"/>
+                <a:cs typeface="Arial" panose="020B0604020202020204" pitchFamily="34" charset="0"/>
+              </a:rPr>
+              <a:t> (</a:t>
+            </a:r>
+            <a:r>
+              <a:rPr lang="pt-CA" dirty="0">
+                <a:latin typeface="Arial" panose="020B0604020202020204" pitchFamily="34" charset="0"/>
+                <a:cs typeface="Arial" panose="020B0604020202020204" pitchFamily="34" charset="0"/>
+              </a:rPr>
+              <a:t>19:30 - 21:00)</a:t>
+            </a:r>
+            <a:endParaRPr lang="pt-BR" noProof="1">
+              <a:latin typeface="Arial" panose="020B0604020202020204" pitchFamily="34" charset="0"/>
+              <a:cs typeface="Arial" panose="020B0604020202020204" pitchFamily="34" charset="0"/>
+            </a:endParaRPr>
           </a:p>
           <a:p>
             <a:pPr algn="l"/>
-            <a:endParaRPr lang="pt-BR" sz="1600" b="1" i="0" noProof="1">
+            <a:endParaRPr lang="pt-BR" b="1" i="0" noProof="1">
               <a:solidFill>
                 <a:srgbClr val="191F28"/>
               </a:solidFill>
@@ -3465,7 +3472,7 @@
           <a:p>
             <a:pPr algn="l"/>
             <a:r>
-              <a:rPr lang="pt-BR" sz="1600" b="1" i="0" noProof="1">
+              <a:rPr lang="pt-BR" b="1" i="0" noProof="1">
                 <a:solidFill>
                   <a:srgbClr val="191F28"/>
                 </a:solidFill>
@@ -3475,7 +3482,7 @@
               </a:rPr>
               <a:t>Dia 02- 07/12 (qua)</a:t>
             </a:r>
-            <a:endParaRPr lang="pt-BR" sz="1600" b="0" i="0" noProof="1">
+            <a:endParaRPr lang="pt-BR" b="0" i="0" noProof="1">
               <a:solidFill>
                 <a:srgbClr val="191F28"/>
               </a:solidFill>
@@ -3490,7 +3497,7 @@
               <a:buChar char="•"/>
             </a:pPr>
             <a:r>
-              <a:rPr lang="pt-BR" sz="1600" b="0" i="0" noProof="1">
+              <a:rPr lang="pt-BR" b="0" i="0" noProof="1">
                 <a:solidFill>
                   <a:srgbClr val="191F28"/>
                 </a:solidFill>
@@ -3501,7 +3508,7 @@
               <a:t>Como Criar e Manter um Time </a:t>
             </a:r>
             <a:r>
-              <a:rPr lang="pt-BR" sz="1600" noProof="1">
+              <a:rPr lang="pt-BR" noProof="1">
                 <a:solidFill>
                   <a:srgbClr val="191F28"/>
                 </a:solidFill>
@@ -3511,7 +3518,7 @@
               <a:t>Á</a:t>
             </a:r>
             <a:r>
-              <a:rPr lang="pt-BR" sz="1600" b="0" i="0" noProof="1">
+              <a:rPr lang="pt-BR" b="0" i="0" noProof="1">
                 <a:solidFill>
                   <a:srgbClr val="191F28"/>
                 </a:solidFill>
@@ -3528,44 +3535,41 @@
               <a:buChar char="•"/>
             </a:pPr>
             <a:r>
-              <a:rPr lang="pt-BR" sz="1600" b="0" i="0" noProof="1">
-                <a:solidFill>
-                  <a:srgbClr val="191F28"/>
-                </a:solidFill>
-                <a:effectLst/>
-                <a:latin typeface="Arial" panose="020B0604020202020204" pitchFamily="34" charset="0"/>
-                <a:cs typeface="Arial" panose="020B0604020202020204" pitchFamily="34" charset="0"/>
-              </a:rPr>
-              <a:t>Annelise Gripp</a:t>
-            </a:r>
-            <a:endParaRPr lang="pt-BR" sz="1600" noProof="1">
-              <a:solidFill>
-                <a:srgbClr val="191F28"/>
-              </a:solidFill>
+              <a:rPr lang="pt-BR" dirty="0">
+                <a:latin typeface="Arial" panose="020B0604020202020204" pitchFamily="34" charset="0"/>
+                <a:cs typeface="Arial" panose="020B0604020202020204" pitchFamily="34" charset="0"/>
+              </a:rPr>
+              <a:t>Annelise </a:t>
+            </a:r>
+            <a:r>
+              <a:rPr lang="pt-BR" dirty="0" err="1">
+                <a:latin typeface="Arial" panose="020B0604020202020204" pitchFamily="34" charset="0"/>
+                <a:cs typeface="Arial" panose="020B0604020202020204" pitchFamily="34" charset="0"/>
+              </a:rPr>
+              <a:t>Gripp</a:t>
+            </a:r>
+            <a:r>
+              <a:rPr lang="pt-BR" dirty="0">
+                <a:latin typeface="Arial" panose="020B0604020202020204" pitchFamily="34" charset="0"/>
+                <a:cs typeface="Arial" panose="020B0604020202020204" pitchFamily="34" charset="0"/>
+              </a:rPr>
+              <a:t> (</a:t>
+            </a:r>
+            <a:r>
+              <a:rPr lang="pt-CA" dirty="0">
+                <a:latin typeface="Arial" panose="020B0604020202020204" pitchFamily="34" charset="0"/>
+                <a:cs typeface="Arial" panose="020B0604020202020204" pitchFamily="34" charset="0"/>
+              </a:rPr>
+              <a:t>19:30 - 20:30)</a:t>
+            </a:r>
+            <a:endParaRPr lang="pt-BR" dirty="0">
               <a:latin typeface="Arial" panose="020B0604020202020204" pitchFamily="34" charset="0"/>
               <a:cs typeface="Arial" panose="020B0604020202020204" pitchFamily="34" charset="0"/>
             </a:endParaRPr>
           </a:p>
           <a:p>
-            <a:pPr marL="742950" lvl="1" indent="-285750">
-              <a:buFont typeface="Arial" panose="020B0604020202020204" pitchFamily="34" charset="0"/>
-              <a:buChar char="•"/>
-            </a:pPr>
-            <a:r>
-              <a:rPr lang="pt-BR" sz="1600" b="0" i="0" noProof="1">
-                <a:solidFill>
-                  <a:srgbClr val="191F28"/>
-                </a:solidFill>
-                <a:effectLst/>
-                <a:latin typeface="Arial" panose="020B0604020202020204" pitchFamily="34" charset="0"/>
-                <a:cs typeface="Arial" panose="020B0604020202020204" pitchFamily="34" charset="0"/>
-              </a:rPr>
-              <a:t>19:30 - 20:30</a:t>
-            </a:r>
-          </a:p>
-          <a:p>
             <a:pPr algn="l"/>
-            <a:endParaRPr lang="pt-BR" sz="1600" b="0" i="0" noProof="1">
+            <a:endParaRPr lang="pt-BR" b="0" i="0" noProof="1">
               <a:solidFill>
                 <a:srgbClr val="191F28"/>
               </a:solidFill>
@@ -3580,7 +3584,7 @@
               <a:buChar char="•"/>
             </a:pPr>
             <a:r>
-              <a:rPr lang="pt-BR" sz="1600" b="0" i="0" noProof="1">
+              <a:rPr lang="pt-BR" b="0" i="0" noProof="1">
                 <a:solidFill>
                   <a:srgbClr val="191F28"/>
                 </a:solidFill>
@@ -3597,44 +3601,49 @@
               <a:buChar char="•"/>
             </a:pPr>
             <a:r>
-              <a:rPr lang="pt-BR" sz="1600" b="0" i="0" noProof="1">
-                <a:solidFill>
-                  <a:srgbClr val="191F28"/>
-                </a:solidFill>
-                <a:effectLst/>
-                <a:latin typeface="Arial" panose="020B0604020202020204" pitchFamily="34" charset="0"/>
-                <a:cs typeface="Arial" panose="020B0604020202020204" pitchFamily="34" charset="0"/>
-              </a:rPr>
-              <a:t>Lidia Vieira</a:t>
-            </a:r>
-          </a:p>
-          <a:p>
-            <a:pPr marL="742950" lvl="1" indent="-285750">
-              <a:buFont typeface="Arial" panose="020B0604020202020204" pitchFamily="34" charset="0"/>
-              <a:buChar char="•"/>
-            </a:pPr>
-            <a:r>
-              <a:rPr lang="pt-BR" sz="1600" b="0" i="0" noProof="1">
-                <a:solidFill>
-                  <a:srgbClr val="191F28"/>
-                </a:solidFill>
-                <a:effectLst/>
+              <a:rPr lang="pt-BR" dirty="0" err="1">
+                <a:solidFill>
+                  <a:srgbClr val="191F28"/>
+                </a:solidFill>
+                <a:latin typeface="Arial" panose="020B0604020202020204" pitchFamily="34" charset="0"/>
+                <a:cs typeface="Arial" panose="020B0604020202020204" pitchFamily="34" charset="0"/>
+              </a:rPr>
+              <a:t>Lidia</a:t>
+            </a:r>
+            <a:r>
+              <a:rPr lang="pt-BR" dirty="0">
+                <a:solidFill>
+                  <a:srgbClr val="191F28"/>
+                </a:solidFill>
+                <a:latin typeface="Arial" panose="020B0604020202020204" pitchFamily="34" charset="0"/>
+                <a:cs typeface="Arial" panose="020B0604020202020204" pitchFamily="34" charset="0"/>
+              </a:rPr>
+              <a:t> Vieira (</a:t>
+            </a:r>
+            <a:r>
+              <a:rPr lang="pt-CA" dirty="0">
+                <a:solidFill>
+                  <a:srgbClr val="191F28"/>
+                </a:solidFill>
                 <a:latin typeface="Arial" panose="020B0604020202020204" pitchFamily="34" charset="0"/>
                 <a:cs typeface="Arial" panose="020B0604020202020204" pitchFamily="34" charset="0"/>
               </a:rPr>
               <a:t>20:30 - 21:30</a:t>
             </a:r>
-            <a:endParaRPr lang="pt-BR" sz="1600" noProof="1">
-              <a:solidFill>
-                <a:srgbClr val="191F28"/>
-              </a:solidFill>
-              <a:latin typeface="Arial" panose="020B0604020202020204" pitchFamily="34" charset="0"/>
-              <a:cs typeface="Arial" panose="020B0604020202020204" pitchFamily="34" charset="0"/>
-            </a:endParaRPr>
+            <a:r>
+              <a:rPr lang="pt-BR" dirty="0">
+                <a:solidFill>
+                  <a:srgbClr val="191F28"/>
+                </a:solidFill>
+                <a:latin typeface="Arial" panose="020B0604020202020204" pitchFamily="34" charset="0"/>
+                <a:cs typeface="Arial" panose="020B0604020202020204" pitchFamily="34" charset="0"/>
+              </a:rPr>
+              <a:t>)</a:t>
+            </a:r>
           </a:p>
           <a:p>
             <a:pPr algn="l"/>
-            <a:endParaRPr lang="pt-BR" sz="1600" b="1" i="0" noProof="1">
+            <a:endParaRPr lang="pt-BR" b="1" i="0" noProof="1">
               <a:solidFill>
                 <a:srgbClr val="191F28"/>
               </a:solidFill>
@@ -3646,7 +3655,7 @@
           <a:p>
             <a:pPr algn="l"/>
             <a:r>
-              <a:rPr lang="pt-BR" sz="1600" b="1" i="0" noProof="1">
+              <a:rPr lang="pt-BR" b="1" i="0" noProof="1">
                 <a:solidFill>
                   <a:srgbClr val="191F28"/>
                 </a:solidFill>
@@ -3656,7 +3665,7 @@
               </a:rPr>
               <a:t>Dia 03- 08/12 (qui)</a:t>
             </a:r>
-            <a:endParaRPr lang="pt-BR" sz="1600" noProof="1">
+            <a:endParaRPr lang="pt-BR" noProof="1">
               <a:solidFill>
                 <a:srgbClr val="191F28"/>
               </a:solidFill>
@@ -3670,15 +3679,27 @@
               <a:buChar char="•"/>
             </a:pPr>
             <a:r>
-              <a:rPr lang="pt-BR" sz="1600" b="0" i="0" noProof="1">
-                <a:solidFill>
-                  <a:srgbClr val="191F28"/>
-                </a:solidFill>
-                <a:effectLst/>
-                <a:latin typeface="Arial" panose="020B0604020202020204" pitchFamily="34" charset="0"/>
-                <a:cs typeface="Arial" panose="020B0604020202020204" pitchFamily="34" charset="0"/>
-              </a:rPr>
-              <a:t>Entendendo o Ágil em escala</a:t>
+              <a:rPr lang="pt-BR" dirty="0">
+                <a:solidFill>
+                  <a:srgbClr val="191F28"/>
+                </a:solidFill>
+                <a:latin typeface="Arial" panose="020B0604020202020204" pitchFamily="34" charset="0"/>
+                <a:cs typeface="Arial" panose="020B0604020202020204" pitchFamily="34" charset="0"/>
+              </a:rPr>
+              <a:t>Como o pipoca ágil e a jornada </a:t>
+            </a:r>
+          </a:p>
+          <a:p>
+            <a:pPr algn="l"/>
+            <a:r>
+              <a:rPr lang="pt-BR" dirty="0">
+                <a:solidFill>
+                  <a:srgbClr val="191F28"/>
+                </a:solidFill>
+                <a:latin typeface="Arial" panose="020B0604020202020204" pitchFamily="34" charset="0"/>
+                <a:cs typeface="Arial" panose="020B0604020202020204" pitchFamily="34" charset="0"/>
+              </a:rPr>
+              <a:t>Colaborativa ajudam na transição de carreira ?</a:t>
             </a:r>
           </a:p>
           <a:p>
@@ -3687,15 +3708,44 @@
               <a:buChar char="•"/>
             </a:pPr>
             <a:r>
-              <a:rPr lang="pt-BR" sz="1600" b="0" i="0" noProof="1">
-                <a:solidFill>
-                  <a:srgbClr val="191F28"/>
-                </a:solidFill>
-                <a:effectLst/>
-                <a:latin typeface="Arial" panose="020B0604020202020204" pitchFamily="34" charset="0"/>
-                <a:cs typeface="Arial" panose="020B0604020202020204" pitchFamily="34" charset="0"/>
-              </a:rPr>
-              <a:t>Felipe Almeida </a:t>
+              <a:rPr lang="pt-BR" dirty="0" err="1">
+                <a:solidFill>
+                  <a:srgbClr val="191F28"/>
+                </a:solidFill>
+                <a:latin typeface="Arial" panose="020B0604020202020204" pitchFamily="34" charset="0"/>
+                <a:cs typeface="Arial" panose="020B0604020202020204" pitchFamily="34" charset="0"/>
+              </a:rPr>
+              <a:t>Ibson</a:t>
+            </a:r>
+            <a:r>
+              <a:rPr lang="pt-BR" dirty="0">
+                <a:solidFill>
+                  <a:srgbClr val="191F28"/>
+                </a:solidFill>
+                <a:latin typeface="Arial" panose="020B0604020202020204" pitchFamily="34" charset="0"/>
+                <a:cs typeface="Arial" panose="020B0604020202020204" pitchFamily="34" charset="0"/>
+              </a:rPr>
+              <a:t> Cabral e Léo Tonso (</a:t>
+            </a:r>
+            <a:r>
+              <a:rPr lang="pt-CA" dirty="0">
+                <a:solidFill>
+                  <a:srgbClr val="191F28"/>
+                </a:solidFill>
+                <a:latin typeface="Arial" panose="020B0604020202020204" pitchFamily="34" charset="0"/>
+                <a:cs typeface="Arial" panose="020B0604020202020204" pitchFamily="34" charset="0"/>
+              </a:rPr>
+              <a:t>19:00 - 20:00</a:t>
+            </a:r>
+            <a:r>
+              <a:rPr lang="pt-BR" dirty="0">
+                <a:solidFill>
+                  <a:srgbClr val="191F28"/>
+                </a:solidFill>
+                <a:latin typeface="Arial" panose="020B0604020202020204" pitchFamily="34" charset="0"/>
+                <a:cs typeface="Arial" panose="020B0604020202020204" pitchFamily="34" charset="0"/>
+              </a:rPr>
+              <a:t>) </a:t>
             </a:r>
           </a:p>
           <a:p>
@@ -3703,164 +3753,7 @@
               <a:buFont typeface="Arial" panose="020B0604020202020204" pitchFamily="34" charset="0"/>
               <a:buChar char="•"/>
             </a:pPr>
-            <a:r>
-              <a:rPr lang="pt-BR" sz="1600" b="0" i="0" noProof="1">
-                <a:solidFill>
-                  <a:srgbClr val="191F28"/>
-                </a:solidFill>
-                <a:effectLst/>
-                <a:latin typeface="Arial" panose="020B0604020202020204" pitchFamily="34" charset="0"/>
-                <a:cs typeface="Arial" panose="020B0604020202020204" pitchFamily="34" charset="0"/>
-              </a:rPr>
-              <a:t>20:15 - 21:15</a:t>
-            </a:r>
-            <a:endParaRPr lang="pt-BR" sz="1600" b="0" noProof="1">
-              <a:solidFill>
-                <a:srgbClr val="191F28"/>
-              </a:solidFill>
-              <a:latin typeface="Arial" panose="020B0604020202020204" pitchFamily="34" charset="0"/>
-              <a:cs typeface="Arial" panose="020B0604020202020204" pitchFamily="34" charset="0"/>
-            </a:endParaRPr>
-          </a:p>
-        </p:txBody>
-      </p:sp>
-      <p:sp>
-        <p:nvSpPr>
-          <p:cNvPr id="6" name="CaixaDeTexto 5">
-            <a:extLst>
-              <a:ext uri="{FF2B5EF4-FFF2-40B4-BE49-F238E27FC236}">
-                <a16:creationId xmlns:a16="http://schemas.microsoft.com/office/drawing/2014/main" id="{2076B4A1-934E-F0C5-937D-B671EB382F03}"/>
-              </a:ext>
-            </a:extLst>
-          </p:cNvPr>
-          <p:cNvSpPr txBox="1"/>
-          <p:nvPr/>
-        </p:nvSpPr>
-        <p:spPr>
-          <a:xfrm>
-            <a:off x="5980387" y="263027"/>
-            <a:ext cx="5843752" cy="6247864"/>
-          </a:xfrm>
-          <a:prstGeom prst="rect">
-            <a:avLst/>
-          </a:prstGeom>
-          <a:noFill/>
-        </p:spPr>
-        <p:txBody>
-          <a:bodyPr wrap="square" rtlCol="0">
-            <a:spAutoFit/>
-          </a:bodyPr>
-          <a:lstStyle/>
-          <a:p>
-            <a:r>
-              <a:rPr lang="pt-BR" sz="1600" b="1" i="0" noProof="1">
-                <a:solidFill>
-                  <a:srgbClr val="191F28"/>
-                </a:solidFill>
-                <a:effectLst/>
-                <a:latin typeface="Arial" panose="020B0604020202020204" pitchFamily="34" charset="0"/>
-                <a:cs typeface="Arial" panose="020B0604020202020204" pitchFamily="34" charset="0"/>
-              </a:rPr>
-              <a:t>Dia 04- 09/12 (sex)</a:t>
-            </a:r>
-          </a:p>
-          <a:p>
-            <a:pPr marL="285750" indent="-285750">
-              <a:buFont typeface="Arial" panose="020B0604020202020204" pitchFamily="34" charset="0"/>
-              <a:buChar char="•"/>
-            </a:pPr>
-            <a:r>
-              <a:rPr lang="pt-BR" sz="1600" i="0" dirty="0">
-                <a:effectLst/>
-                <a:latin typeface="Arial" panose="020B0604020202020204" pitchFamily="34" charset="0"/>
-              </a:rPr>
-              <a:t>Agregação de carreira</a:t>
-            </a:r>
-          </a:p>
-          <a:p>
-            <a:pPr marL="742950" lvl="1" indent="-285750">
-              <a:buFont typeface="Arial" panose="020B0604020202020204" pitchFamily="34" charset="0"/>
-              <a:buChar char="•"/>
-            </a:pPr>
-            <a:r>
-              <a:rPr lang="pt-BR" sz="1600" noProof="1">
-                <a:solidFill>
-                  <a:srgbClr val="191F28"/>
-                </a:solidFill>
-                <a:latin typeface="Arial" panose="020B0604020202020204" pitchFamily="34" charset="0"/>
-                <a:cs typeface="Arial" panose="020B0604020202020204" pitchFamily="34" charset="0"/>
-              </a:rPr>
-              <a:t>Celso Silva</a:t>
-            </a:r>
-          </a:p>
-          <a:p>
-            <a:pPr marL="742950" lvl="1" indent="-285750">
-              <a:buFont typeface="Arial" panose="020B0604020202020204" pitchFamily="34" charset="0"/>
-              <a:buChar char="•"/>
-            </a:pPr>
-            <a:r>
-              <a:rPr lang="pt-CA" sz="1600" i="0" dirty="0">
-                <a:effectLst/>
-                <a:latin typeface="Arial" panose="020B0604020202020204" pitchFamily="34" charset="0"/>
-              </a:rPr>
-              <a:t>19:30 - 20:45</a:t>
-            </a:r>
-          </a:p>
-          <a:p>
-            <a:pPr lvl="1"/>
-            <a:endParaRPr lang="pt-CA" sz="1600" i="0" dirty="0">
-              <a:effectLst/>
-              <a:latin typeface="Arial" panose="020B0604020202020204" pitchFamily="34" charset="0"/>
-            </a:endParaRPr>
-          </a:p>
-          <a:p>
-            <a:pPr marL="285750" indent="-285750">
-              <a:buFont typeface="Arial" panose="020B0604020202020204" pitchFamily="34" charset="0"/>
-              <a:buChar char="•"/>
-            </a:pPr>
-            <a:r>
-              <a:rPr lang="pt-BR" sz="1600" i="0" dirty="0">
-                <a:effectLst/>
-                <a:latin typeface="Arial" panose="020B0604020202020204" pitchFamily="34" charset="0"/>
-              </a:rPr>
-              <a:t>Agilidade da vida Real</a:t>
-            </a:r>
-          </a:p>
-          <a:p>
-            <a:pPr marL="742950" lvl="1" indent="-285750">
-              <a:buFont typeface="Arial" panose="020B0604020202020204" pitchFamily="34" charset="0"/>
-              <a:buChar char="•"/>
-            </a:pPr>
-            <a:r>
-              <a:rPr lang="pt-BR" sz="1600" i="0" dirty="0">
-                <a:effectLst/>
-                <a:latin typeface="Arial" panose="020B0604020202020204" pitchFamily="34" charset="0"/>
-              </a:rPr>
-              <a:t>Ricardo Lima Cardoso</a:t>
-            </a:r>
-          </a:p>
-          <a:p>
-            <a:pPr marL="742950" lvl="1" indent="-285750">
-              <a:buFont typeface="Arial" panose="020B0604020202020204" pitchFamily="34" charset="0"/>
-              <a:buChar char="•"/>
-            </a:pPr>
-            <a:r>
-              <a:rPr lang="pt-CA" sz="1600" i="0" dirty="0">
-                <a:effectLst/>
-                <a:latin typeface="Arial" panose="020B0604020202020204" pitchFamily="34" charset="0"/>
-              </a:rPr>
-              <a:t>20:45 - 22:00</a:t>
-            </a:r>
-            <a:endParaRPr lang="pt-BR" sz="1600" b="0" noProof="1">
-              <a:solidFill>
-                <a:srgbClr val="191F28"/>
-              </a:solidFill>
-              <a:latin typeface="Arial" panose="020B0604020202020204" pitchFamily="34" charset="0"/>
-              <a:cs typeface="Arial" panose="020B0604020202020204" pitchFamily="34" charset="0"/>
-            </a:endParaRPr>
-          </a:p>
-          <a:p>
-            <a:endParaRPr lang="pt-BR" sz="1600" b="0" i="0" noProof="1">
+            <a:endParaRPr lang="pt-BR" b="0" i="0" noProof="1">
               <a:solidFill>
                 <a:srgbClr val="191F28"/>
               </a:solidFill>
@@ -3870,8 +3763,12 @@
             </a:endParaRPr>
           </a:p>
           <a:p>
-            <a:r>
-              <a:rPr lang="pt-BR" sz="1600" b="1" i="0" noProof="1">
+            <a:pPr marL="285750" indent="-285750" algn="l">
+              <a:buFont typeface="Arial" panose="020B0604020202020204" pitchFamily="34" charset="0"/>
+              <a:buChar char="•"/>
+            </a:pPr>
+            <a:r>
+              <a:rPr lang="pt-BR" b="0" i="0" noProof="1">
                 <a:solidFill>
                   <a:srgbClr val="191F28"/>
                 </a:solidFill>
@@ -3879,7 +3776,109 @@
                 <a:latin typeface="Arial" panose="020B0604020202020204" pitchFamily="34" charset="0"/>
                 <a:cs typeface="Arial" panose="020B0604020202020204" pitchFamily="34" charset="0"/>
               </a:rPr>
-              <a:t>Dia 05- 10/12 (sab)</a:t>
+              <a:t>Metaverso como ferramenta para agilidade </a:t>
+            </a:r>
+          </a:p>
+          <a:p>
+            <a:pPr algn="l"/>
+            <a:r>
+              <a:rPr lang="pt-BR" b="0" i="0" noProof="1">
+                <a:solidFill>
+                  <a:srgbClr val="191F28"/>
+                </a:solidFill>
+                <a:effectLst/>
+                <a:latin typeface="Arial" panose="020B0604020202020204" pitchFamily="34" charset="0"/>
+                <a:cs typeface="Arial" panose="020B0604020202020204" pitchFamily="34" charset="0"/>
+              </a:rPr>
+              <a:t>Organizacional</a:t>
+            </a:r>
+          </a:p>
+          <a:p>
+            <a:pPr marL="742950" lvl="1" indent="-285750">
+              <a:buFont typeface="Arial" panose="020B0604020202020204" pitchFamily="34" charset="0"/>
+              <a:buChar char="•"/>
+            </a:pPr>
+            <a:r>
+              <a:rPr lang="pt-BR" dirty="0">
+                <a:solidFill>
+                  <a:srgbClr val="191F28"/>
+                </a:solidFill>
+                <a:latin typeface="Arial" panose="020B0604020202020204" pitchFamily="34" charset="0"/>
+                <a:cs typeface="Arial" panose="020B0604020202020204" pitchFamily="34" charset="0"/>
+              </a:rPr>
+              <a:t>Felipe Almeida (</a:t>
+            </a:r>
+            <a:r>
+              <a:rPr lang="pt-CA" dirty="0">
+                <a:solidFill>
+                  <a:srgbClr val="191F28"/>
+                </a:solidFill>
+                <a:latin typeface="Arial" panose="020B0604020202020204" pitchFamily="34" charset="0"/>
+                <a:cs typeface="Arial" panose="020B0604020202020204" pitchFamily="34" charset="0"/>
+              </a:rPr>
+              <a:t>20:15 - 21:15)</a:t>
+            </a:r>
+            <a:endParaRPr lang="pt-BR" dirty="0">
+              <a:solidFill>
+                <a:srgbClr val="191F28"/>
+              </a:solidFill>
+              <a:latin typeface="Arial" panose="020B0604020202020204" pitchFamily="34" charset="0"/>
+              <a:cs typeface="Arial" panose="020B0604020202020204" pitchFamily="34" charset="0"/>
+            </a:endParaRPr>
+          </a:p>
+          <a:p>
+            <a:pPr marL="742950" lvl="1" indent="-285750">
+              <a:buFont typeface="Arial" panose="020B0604020202020204" pitchFamily="34" charset="0"/>
+              <a:buChar char="•"/>
+            </a:pPr>
+            <a:endParaRPr lang="pt-BR" dirty="0">
+              <a:solidFill>
+                <a:srgbClr val="191F28"/>
+              </a:solidFill>
+              <a:latin typeface="Arial" panose="020B0604020202020204" pitchFamily="34" charset="0"/>
+              <a:cs typeface="Arial" panose="020B0604020202020204" pitchFamily="34" charset="0"/>
+            </a:endParaRPr>
+          </a:p>
+        </p:txBody>
+      </p:sp>
+      <p:sp>
+        <p:nvSpPr>
+          <p:cNvPr id="6" name="CaixaDeTexto 5">
+            <a:extLst>
+              <a:ext uri="{FF2B5EF4-FFF2-40B4-BE49-F238E27FC236}">
+                <a16:creationId xmlns:a16="http://schemas.microsoft.com/office/drawing/2014/main" id="{2076B4A1-934E-F0C5-937D-B671EB382F03}"/>
+              </a:ext>
+            </a:extLst>
+          </p:cNvPr>
+          <p:cNvSpPr txBox="1"/>
+          <p:nvPr/>
+        </p:nvSpPr>
+        <p:spPr>
+          <a:xfrm>
+            <a:off x="5623035" y="335845"/>
+            <a:ext cx="5843752" cy="6186309"/>
+          </a:xfrm>
+          <a:prstGeom prst="rect">
+            <a:avLst/>
+          </a:prstGeom>
+          <a:noFill/>
+        </p:spPr>
+        <p:txBody>
+          <a:bodyPr wrap="square" rtlCol="0">
+            <a:spAutoFit/>
+          </a:bodyPr>
+          <a:lstStyle/>
+          <a:p>
+            <a:r>
+              <a:rPr lang="pt-BR" b="1" i="0" noProof="1">
+                <a:solidFill>
+                  <a:srgbClr val="191F28"/>
+                </a:solidFill>
+                <a:effectLst/>
+                <a:latin typeface="Arial" panose="020B0604020202020204" pitchFamily="34" charset="0"/>
+                <a:cs typeface="Arial" panose="020B0604020202020204" pitchFamily="34" charset="0"/>
+              </a:rPr>
+              <a:t>Dia 04- 09/12 (sex)</a:t>
             </a:r>
           </a:p>
           <a:p>
@@ -3888,15 +3887,11 @@
               <a:buChar char="•"/>
             </a:pPr>
             <a:r>
-              <a:rPr lang="pt-BR" sz="1600" b="0" i="0" noProof="1">
-                <a:solidFill>
-                  <a:srgbClr val="191F28"/>
-                </a:solidFill>
+              <a:rPr lang="pt-BR" i="0" dirty="0">
                 <a:effectLst/>
                 <a:latin typeface="Arial" panose="020B0604020202020204" pitchFamily="34" charset="0"/>
-                <a:cs typeface="Arial" panose="020B0604020202020204" pitchFamily="34" charset="0"/>
-              </a:rPr>
-              <a:t>Aulão de Revisão PSM I</a:t>
+              </a:rPr>
+              <a:t>Agregação de carreira</a:t>
             </a:r>
           </a:p>
           <a:p>
@@ -3905,14 +3900,54 @@
               <a:buChar char="•"/>
             </a:pPr>
             <a:r>
-              <a:rPr lang="pt-BR" sz="1600" noProof="1">
-                <a:solidFill>
-                  <a:srgbClr val="191F28"/>
-                </a:solidFill>
-                <a:latin typeface="Arial" panose="020B0604020202020204" pitchFamily="34" charset="0"/>
-                <a:cs typeface="Arial" panose="020B0604020202020204" pitchFamily="34" charset="0"/>
-              </a:rPr>
-              <a:t>Equipe The Liberators</a:t>
+              <a:rPr lang="pt-BR" dirty="0">
+                <a:solidFill>
+                  <a:srgbClr val="191F28"/>
+                </a:solidFill>
+                <a:latin typeface="Arial" panose="020B0604020202020204" pitchFamily="34" charset="0"/>
+                <a:cs typeface="Arial" panose="020B0604020202020204" pitchFamily="34" charset="0"/>
+              </a:rPr>
+              <a:t>Celso Silva (</a:t>
+            </a:r>
+            <a:r>
+              <a:rPr lang="pt-CA" dirty="0">
+                <a:solidFill>
+                  <a:srgbClr val="191F28"/>
+                </a:solidFill>
+                <a:latin typeface="Arial" panose="020B0604020202020204" pitchFamily="34" charset="0"/>
+                <a:cs typeface="Arial" panose="020B0604020202020204" pitchFamily="34" charset="0"/>
+              </a:rPr>
+              <a:t>19:30 - 20:45</a:t>
+            </a:r>
+            <a:r>
+              <a:rPr lang="pt-BR" dirty="0">
+                <a:solidFill>
+                  <a:srgbClr val="191F28"/>
+                </a:solidFill>
+                <a:latin typeface="Arial" panose="020B0604020202020204" pitchFamily="34" charset="0"/>
+                <a:cs typeface="Arial" panose="020B0604020202020204" pitchFamily="34" charset="0"/>
+              </a:rPr>
+              <a:t>)</a:t>
+            </a:r>
+          </a:p>
+          <a:p>
+            <a:pPr lvl="1"/>
+            <a:endParaRPr lang="pt-CA" i="0" dirty="0">
+              <a:effectLst/>
+              <a:latin typeface="Arial" panose="020B0604020202020204" pitchFamily="34" charset="0"/>
+            </a:endParaRPr>
+          </a:p>
+          <a:p>
+            <a:pPr marL="285750" indent="-285750">
+              <a:buFont typeface="Arial" panose="020B0604020202020204" pitchFamily="34" charset="0"/>
+              <a:buChar char="•"/>
+            </a:pPr>
+            <a:r>
+              <a:rPr lang="pt-BR" i="0" dirty="0">
+                <a:effectLst/>
+                <a:latin typeface="Arial" panose="020B0604020202020204" pitchFamily="34" charset="0"/>
+              </a:rPr>
+              <a:t>Agilidade da vida Real</a:t>
             </a:r>
           </a:p>
           <a:p>
@@ -3921,22 +3956,38 @@
               <a:buChar char="•"/>
             </a:pPr>
             <a:r>
-              <a:rPr lang="pt-BR" sz="1600" b="0" noProof="1">
-                <a:solidFill>
-                  <a:srgbClr val="191F28"/>
-                </a:solidFill>
-                <a:latin typeface="Arial" panose="020B0604020202020204" pitchFamily="34" charset="0"/>
-                <a:cs typeface="Arial" panose="020B0604020202020204" pitchFamily="34" charset="0"/>
-              </a:rPr>
-              <a:t>08:00 - 17:00</a:t>
-            </a:r>
-          </a:p>
-          <a:p>
-            <a:pPr marL="742950" lvl="1" indent="-285750">
-              <a:buFont typeface="Arial" panose="020B0604020202020204" pitchFamily="34" charset="0"/>
-              <a:buChar char="•"/>
-            </a:pPr>
-            <a:endParaRPr lang="pt-BR" sz="1600" b="0" i="0" noProof="1">
+              <a:rPr lang="pt-BR" dirty="0">
+                <a:solidFill>
+                  <a:srgbClr val="191F28"/>
+                </a:solidFill>
+                <a:latin typeface="Arial" panose="020B0604020202020204" pitchFamily="34" charset="0"/>
+                <a:cs typeface="Arial" panose="020B0604020202020204" pitchFamily="34" charset="0"/>
+              </a:rPr>
+              <a:t>Ricardo Lima Cardoso (</a:t>
+            </a:r>
+            <a:r>
+              <a:rPr lang="pt-CA" dirty="0">
+                <a:solidFill>
+                  <a:srgbClr val="191F28"/>
+                </a:solidFill>
+                <a:latin typeface="Arial" panose="020B0604020202020204" pitchFamily="34" charset="0"/>
+                <a:cs typeface="Arial" panose="020B0604020202020204" pitchFamily="34" charset="0"/>
+              </a:rPr>
+              <a:t>20:45 - 22:00</a:t>
+            </a:r>
+            <a:r>
+              <a:rPr lang="pt-BR" dirty="0">
+                <a:solidFill>
+                  <a:srgbClr val="191F28"/>
+                </a:solidFill>
+                <a:latin typeface="Arial" panose="020B0604020202020204" pitchFamily="34" charset="0"/>
+                <a:cs typeface="Arial" panose="020B0604020202020204" pitchFamily="34" charset="0"/>
+              </a:rPr>
+              <a:t>)</a:t>
+            </a:r>
+          </a:p>
+          <a:p>
+            <a:endParaRPr lang="pt-BR" b="0" i="0" noProof="1">
               <a:solidFill>
                 <a:srgbClr val="191F28"/>
               </a:solidFill>
@@ -3946,12 +3997,25 @@
             </a:endParaRPr>
           </a:p>
           <a:p>
+            <a:r>
+              <a:rPr lang="pt-BR" b="1" i="0" noProof="1">
+                <a:solidFill>
+                  <a:srgbClr val="191F28"/>
+                </a:solidFill>
+                <a:effectLst/>
+                <a:latin typeface="Arial" panose="020B0604020202020204" pitchFamily="34" charset="0"/>
+                <a:cs typeface="Arial" panose="020B0604020202020204" pitchFamily="34" charset="0"/>
+              </a:rPr>
+              <a:t>Dia 05- 10/12 (sab)</a:t>
+            </a:r>
+          </a:p>
+          <a:p>
             <a:pPr marL="285750" indent="-285750">
               <a:buFont typeface="Arial" panose="020B0604020202020204" pitchFamily="34" charset="0"/>
               <a:buChar char="•"/>
             </a:pPr>
             <a:r>
-              <a:rPr lang="pt-BR" sz="1600" b="0" i="0" noProof="1">
+              <a:rPr lang="pt-BR" b="0" i="0" noProof="1">
                 <a:solidFill>
                   <a:srgbClr val="191F28"/>
                 </a:solidFill>
@@ -3959,45 +4023,15 @@
                 <a:latin typeface="Arial" panose="020B0604020202020204" pitchFamily="34" charset="0"/>
                 <a:cs typeface="Arial" panose="020B0604020202020204" pitchFamily="34" charset="0"/>
               </a:rPr>
-              <a:t>Mindset Ágil</a:t>
-            </a:r>
-          </a:p>
-          <a:p>
-            <a:pPr marL="742950" lvl="1" indent="-285750">
+              <a:t>Aulão de Revisão PSM I</a:t>
+            </a:r>
+          </a:p>
+          <a:p>
+            <a:pPr marL="285750" indent="-285750">
               <a:buFont typeface="Arial" panose="020B0604020202020204" pitchFamily="34" charset="0"/>
               <a:buChar char="•"/>
             </a:pPr>
-            <a:r>
-              <a:rPr lang="pt-BR" sz="1600" i="0" noProof="1">
-                <a:effectLst/>
-                <a:latin typeface="Arial" panose="020B0604020202020204" pitchFamily="34" charset="0"/>
-                <a:cs typeface="Arial" panose="020B0604020202020204" pitchFamily="34" charset="0"/>
-              </a:rPr>
-              <a:t>Jonathan Brassolatti</a:t>
-            </a:r>
-          </a:p>
-          <a:p>
-            <a:pPr marL="742950" lvl="1" indent="-285750">
-              <a:buFont typeface="Arial" panose="020B0604020202020204" pitchFamily="34" charset="0"/>
-              <a:buChar char="•"/>
-            </a:pPr>
-            <a:r>
-              <a:rPr lang="pt-BR" sz="1600" b="0" noProof="1">
-                <a:solidFill>
-                  <a:srgbClr val="191F28"/>
-                </a:solidFill>
-                <a:latin typeface="Arial" panose="020B0604020202020204" pitchFamily="34" charset="0"/>
-                <a:cs typeface="Arial" panose="020B0604020202020204" pitchFamily="34" charset="0"/>
-              </a:rPr>
-              <a:t>09:00 - 10:00</a:t>
-            </a:r>
-          </a:p>
-          <a:p>
-            <a:pPr marL="742950" lvl="1" indent="-285750">
-              <a:buFont typeface="Arial" panose="020B0604020202020204" pitchFamily="34" charset="0"/>
-              <a:buChar char="•"/>
-            </a:pPr>
-            <a:endParaRPr lang="pt-BR" sz="1600" b="0" i="0" noProof="1">
+            <a:endParaRPr lang="pt-BR" b="0" i="0" noProof="1">
               <a:solidFill>
                 <a:srgbClr val="191F28"/>
               </a:solidFill>
@@ -4012,7 +4046,7 @@
               <a:buChar char="•"/>
             </a:pPr>
             <a:r>
-              <a:rPr lang="pt-BR" sz="1600" b="0" i="0" noProof="1">
+              <a:rPr lang="pt-BR" b="0" i="0" noProof="1">
                 <a:solidFill>
                   <a:srgbClr val="191F28"/>
                 </a:solidFill>
@@ -4020,7 +4054,7 @@
                 <a:latin typeface="Arial" panose="020B0604020202020204" pitchFamily="34" charset="0"/>
                 <a:cs typeface="Arial" panose="020B0604020202020204" pitchFamily="34" charset="0"/>
               </a:rPr>
-              <a:t>Liderança Estratégica com Business Agility</a:t>
+              <a:t>Mindset Agil e Acessibilidade na Agilidade</a:t>
             </a:r>
           </a:p>
           <a:p>
@@ -4029,36 +4063,79 @@
               <a:buChar char="•"/>
             </a:pPr>
             <a:r>
-              <a:rPr lang="pt-BR" sz="1600" i="0" noProof="1">
-                <a:effectLst/>
-                <a:latin typeface="Arial" panose="020B0604020202020204" pitchFamily="34" charset="0"/>
-                <a:cs typeface="Arial" panose="020B0604020202020204" pitchFamily="34" charset="0"/>
-              </a:rPr>
-              <a:t>Leandro Garcia</a:t>
-            </a:r>
-          </a:p>
-          <a:p>
-            <a:pPr marL="742950" lvl="1" indent="-285750">
+              <a:rPr lang="pt-BR" dirty="0" err="1">
+                <a:solidFill>
+                  <a:srgbClr val="191F28"/>
+                </a:solidFill>
+                <a:latin typeface="Arial" panose="020B0604020202020204" pitchFamily="34" charset="0"/>
+                <a:cs typeface="Arial" panose="020B0604020202020204" pitchFamily="34" charset="0"/>
+              </a:rPr>
+              <a:t>Jonatha</a:t>
+            </a:r>
+            <a:r>
+              <a:rPr lang="pt-BR" dirty="0">
+                <a:solidFill>
+                  <a:srgbClr val="191F28"/>
+                </a:solidFill>
+                <a:latin typeface="Arial" panose="020B0604020202020204" pitchFamily="34" charset="0"/>
+                <a:cs typeface="Arial" panose="020B0604020202020204" pitchFamily="34" charset="0"/>
+              </a:rPr>
+              <a:t> </a:t>
+            </a:r>
+            <a:r>
+              <a:rPr lang="pt-BR" dirty="0" err="1">
+                <a:solidFill>
+                  <a:srgbClr val="191F28"/>
+                </a:solidFill>
+                <a:latin typeface="Arial" panose="020B0604020202020204" pitchFamily="34" charset="0"/>
+                <a:cs typeface="Arial" panose="020B0604020202020204" pitchFamily="34" charset="0"/>
+              </a:rPr>
+              <a:t>Brassolatti</a:t>
+            </a:r>
+            <a:r>
+              <a:rPr lang="pt-BR" dirty="0">
+                <a:solidFill>
+                  <a:srgbClr val="191F28"/>
+                </a:solidFill>
+                <a:latin typeface="Arial" panose="020B0604020202020204" pitchFamily="34" charset="0"/>
+                <a:cs typeface="Arial" panose="020B0604020202020204" pitchFamily="34" charset="0"/>
+              </a:rPr>
+              <a:t> e Ian Natividade (</a:t>
+            </a:r>
+            <a:r>
+              <a:rPr lang="pt-CA" dirty="0">
+                <a:solidFill>
+                  <a:srgbClr val="191F28"/>
+                </a:solidFill>
+                <a:latin typeface="Arial" panose="020B0604020202020204" pitchFamily="34" charset="0"/>
+                <a:cs typeface="Arial" panose="020B0604020202020204" pitchFamily="34" charset="0"/>
+              </a:rPr>
+              <a:t>09:00 - 10:00</a:t>
+            </a:r>
+            <a:r>
+              <a:rPr lang="pt-BR" dirty="0">
+                <a:solidFill>
+                  <a:srgbClr val="191F28"/>
+                </a:solidFill>
+                <a:latin typeface="Arial" panose="020B0604020202020204" pitchFamily="34" charset="0"/>
+                <a:cs typeface="Arial" panose="020B0604020202020204" pitchFamily="34" charset="0"/>
+              </a:rPr>
+              <a:t>)</a:t>
+            </a:r>
+            <a:endParaRPr lang="pt-BR" noProof="1">
+              <a:solidFill>
+                <a:srgbClr val="191F28"/>
+              </a:solidFill>
+              <a:latin typeface="Arial" panose="020B0604020202020204" pitchFamily="34" charset="0"/>
+              <a:cs typeface="Arial" panose="020B0604020202020204" pitchFamily="34" charset="0"/>
+            </a:endParaRPr>
+          </a:p>
+          <a:p>
+            <a:pPr marL="285750" indent="-285750">
               <a:buFont typeface="Arial" panose="020B0604020202020204" pitchFamily="34" charset="0"/>
               <a:buChar char="•"/>
             </a:pPr>
-            <a:r>
-              <a:rPr lang="pt-BR" sz="1600" b="0" noProof="1">
-                <a:solidFill>
-                  <a:srgbClr val="191F28"/>
-                </a:solidFill>
-                <a:latin typeface="Arial" panose="020B0604020202020204" pitchFamily="34" charset="0"/>
-                <a:cs typeface="Arial" panose="020B0604020202020204" pitchFamily="34" charset="0"/>
-              </a:rPr>
-              <a:t>10:00 - 11:00</a:t>
-            </a:r>
-          </a:p>
-          <a:p>
-            <a:pPr marL="742950" lvl="1" indent="-285750">
-              <a:buFont typeface="Arial" panose="020B0604020202020204" pitchFamily="34" charset="0"/>
-              <a:buChar char="•"/>
-            </a:pPr>
-            <a:endParaRPr lang="pt-BR" sz="1600" b="0" i="0" noProof="1">
+            <a:endParaRPr lang="pt-BR" b="0" i="0" noProof="1">
               <a:solidFill>
                 <a:srgbClr val="191F28"/>
               </a:solidFill>
@@ -4073,7 +4150,7 @@
               <a:buChar char="•"/>
             </a:pPr>
             <a:r>
-              <a:rPr lang="pt-BR" sz="1600" b="0" i="0" noProof="1">
+              <a:rPr lang="pt-BR" b="0" i="0" noProof="1">
                 <a:solidFill>
                   <a:srgbClr val="191F28"/>
                 </a:solidFill>
@@ -4081,7 +4158,7 @@
                 <a:latin typeface="Arial" panose="020B0604020202020204" pitchFamily="34" charset="0"/>
                 <a:cs typeface="Arial" panose="020B0604020202020204" pitchFamily="34" charset="0"/>
               </a:rPr>
-              <a:t>Métrica Ágeis</a:t>
+              <a:t>Liderança Estratégica com Business Agility</a:t>
             </a:r>
           </a:p>
           <a:p>
@@ -4090,12 +4167,34 @@
               <a:buChar char="•"/>
             </a:pPr>
             <a:r>
-              <a:rPr lang="pt-BR" sz="1600" i="0" noProof="1">
-                <a:effectLst/>
-                <a:latin typeface="Arial" panose="020B0604020202020204" pitchFamily="34" charset="0"/>
-                <a:cs typeface="Arial" panose="020B0604020202020204" pitchFamily="34" charset="0"/>
-              </a:rPr>
-              <a:t>Renata Reis Rodrigues</a:t>
+              <a:rPr lang="pt-BR" dirty="0">
+                <a:solidFill>
+                  <a:srgbClr val="191F28"/>
+                </a:solidFill>
+                <a:latin typeface="Arial" panose="020B0604020202020204" pitchFamily="34" charset="0"/>
+                <a:cs typeface="Arial" panose="020B0604020202020204" pitchFamily="34" charset="0"/>
+              </a:rPr>
+              <a:t>Leandro Garcia (</a:t>
+            </a:r>
+            <a:r>
+              <a:rPr lang="pt-CA" dirty="0">
+                <a:solidFill>
+                  <a:srgbClr val="191F28"/>
+                </a:solidFill>
+                <a:latin typeface="Arial" panose="020B0604020202020204" pitchFamily="34" charset="0"/>
+                <a:cs typeface="Arial" panose="020B0604020202020204" pitchFamily="34" charset="0"/>
+              </a:rPr>
+              <a:t>10:00 - 11:00</a:t>
+            </a:r>
+            <a:r>
+              <a:rPr lang="pt-BR" dirty="0">
+                <a:solidFill>
+                  <a:srgbClr val="191F28"/>
+                </a:solidFill>
+                <a:latin typeface="Arial" panose="020B0604020202020204" pitchFamily="34" charset="0"/>
+                <a:cs typeface="Arial" panose="020B0604020202020204" pitchFamily="34" charset="0"/>
+              </a:rPr>
+              <a:t>)</a:t>
             </a:r>
           </a:p>
           <a:p>
@@ -4103,8 +4202,49 @@
               <a:buFont typeface="Arial" panose="020B0604020202020204" pitchFamily="34" charset="0"/>
               <a:buChar char="•"/>
             </a:pPr>
-            <a:r>
-              <a:rPr lang="pt-BR" sz="1600" b="0" noProof="1">
+            <a:endParaRPr lang="pt-BR" b="0" i="0" noProof="1">
+              <a:solidFill>
+                <a:srgbClr val="191F28"/>
+              </a:solidFill>
+              <a:effectLst/>
+              <a:latin typeface="Arial" panose="020B0604020202020204" pitchFamily="34" charset="0"/>
+              <a:cs typeface="Arial" panose="020B0604020202020204" pitchFamily="34" charset="0"/>
+            </a:endParaRPr>
+          </a:p>
+          <a:p>
+            <a:pPr marL="285750" indent="-285750">
+              <a:buFont typeface="Arial" panose="020B0604020202020204" pitchFamily="34" charset="0"/>
+              <a:buChar char="•"/>
+            </a:pPr>
+            <a:r>
+              <a:rPr lang="pt-BR" b="0" i="0" noProof="1">
+                <a:solidFill>
+                  <a:srgbClr val="191F28"/>
+                </a:solidFill>
+                <a:effectLst/>
+                <a:latin typeface="Arial" panose="020B0604020202020204" pitchFamily="34" charset="0"/>
+                <a:cs typeface="Arial" panose="020B0604020202020204" pitchFamily="34" charset="0"/>
+              </a:rPr>
+              <a:t>Métrica Ágeis</a:t>
+            </a:r>
+          </a:p>
+          <a:p>
+            <a:pPr marL="742950" lvl="1" indent="-285750">
+              <a:buFont typeface="Arial" panose="020B0604020202020204" pitchFamily="34" charset="0"/>
+              <a:buChar char="•"/>
+            </a:pPr>
+            <a:r>
+              <a:rPr lang="pt-BR" dirty="0">
+                <a:solidFill>
+                  <a:srgbClr val="191F28"/>
+                </a:solidFill>
+                <a:latin typeface="Arial" panose="020B0604020202020204" pitchFamily="34" charset="0"/>
+                <a:cs typeface="Arial" panose="020B0604020202020204" pitchFamily="34" charset="0"/>
+              </a:rPr>
+              <a:t>Renata Reis Rodrigues (</a:t>
+            </a:r>
+            <a:r>
+              <a:rPr lang="pt-CA" dirty="0">
                 <a:solidFill>
                   <a:srgbClr val="191F28"/>
                 </a:solidFill>
@@ -4112,6 +4252,89 @@
                 <a:cs typeface="Arial" panose="020B0604020202020204" pitchFamily="34" charset="0"/>
               </a:rPr>
               <a:t>11:00 - 12:00</a:t>
+            </a:r>
+            <a:r>
+              <a:rPr lang="pt-BR" dirty="0">
+                <a:solidFill>
+                  <a:srgbClr val="191F28"/>
+                </a:solidFill>
+                <a:latin typeface="Arial" panose="020B0604020202020204" pitchFamily="34" charset="0"/>
+                <a:cs typeface="Arial" panose="020B0604020202020204" pitchFamily="34" charset="0"/>
+              </a:rPr>
+              <a:t>) </a:t>
+            </a:r>
+            <a:endParaRPr lang="pt-BR" noProof="1">
+              <a:solidFill>
+                <a:srgbClr val="191F28"/>
+              </a:solidFill>
+              <a:latin typeface="Arial" panose="020B0604020202020204" pitchFamily="34" charset="0"/>
+              <a:cs typeface="Arial" panose="020B0604020202020204" pitchFamily="34" charset="0"/>
+            </a:endParaRPr>
+          </a:p>
+          <a:p>
+            <a:pPr marL="285750" indent="-285750">
+              <a:buFont typeface="Arial" panose="020B0604020202020204" pitchFamily="34" charset="0"/>
+              <a:buChar char="•"/>
+            </a:pPr>
+            <a:endParaRPr lang="pt-BR" noProof="1">
+              <a:solidFill>
+                <a:srgbClr val="191F28"/>
+              </a:solidFill>
+              <a:latin typeface="Arial" panose="020B0604020202020204" pitchFamily="34" charset="0"/>
+              <a:cs typeface="Arial" panose="020B0604020202020204" pitchFamily="34" charset="0"/>
+            </a:endParaRPr>
+          </a:p>
+          <a:p>
+            <a:pPr marL="285750" indent="-285750">
+              <a:buFont typeface="Arial" panose="020B0604020202020204" pitchFamily="34" charset="0"/>
+              <a:buChar char="•"/>
+            </a:pPr>
+            <a:r>
+              <a:rPr lang="pt-BR" b="0" i="0" noProof="1">
+                <a:solidFill>
+                  <a:srgbClr val="191F28"/>
+                </a:solidFill>
+                <a:effectLst/>
+                <a:latin typeface="Arial" panose="020B0604020202020204" pitchFamily="34" charset="0"/>
+                <a:cs typeface="Arial" panose="020B0604020202020204" pitchFamily="34" charset="0"/>
+              </a:rPr>
+              <a:t>Desvendando a limitação de WIP</a:t>
+            </a:r>
+          </a:p>
+          <a:p>
+            <a:pPr marL="742950" lvl="1" indent="-285750">
+              <a:buFont typeface="Arial" panose="020B0604020202020204" pitchFamily="34" charset="0"/>
+              <a:buChar char="•"/>
+            </a:pPr>
+            <a:r>
+              <a:rPr lang="pt-BR" dirty="0">
+                <a:solidFill>
+                  <a:srgbClr val="191F28"/>
+                </a:solidFill>
+                <a:latin typeface="Arial" panose="020B0604020202020204" pitchFamily="34" charset="0"/>
+                <a:cs typeface="Arial" panose="020B0604020202020204" pitchFamily="34" charset="0"/>
+              </a:rPr>
+              <a:t>Bruno Mata (</a:t>
+            </a:r>
+            <a:r>
+              <a:rPr lang="pt-CA" dirty="0">
+                <a:solidFill>
+                  <a:srgbClr val="191F28"/>
+                </a:solidFill>
+                <a:latin typeface="Arial" panose="020B0604020202020204" pitchFamily="34" charset="0"/>
+                <a:cs typeface="Arial" panose="020B0604020202020204" pitchFamily="34" charset="0"/>
+              </a:rPr>
+              <a:t>13:30 - 14:30</a:t>
+            </a:r>
+            <a:r>
+              <a:rPr lang="pt-BR" dirty="0">
+                <a:solidFill>
+                  <a:srgbClr val="191F28"/>
+                </a:solidFill>
+                <a:latin typeface="Arial" panose="020B0604020202020204" pitchFamily="34" charset="0"/>
+                <a:cs typeface="Arial" panose="020B0604020202020204" pitchFamily="34" charset="0"/>
+              </a:rPr>
+              <a:t>)</a:t>
             </a:r>
           </a:p>
         </p:txBody>

--- a/Programacao.pptx
+++ b/Programacao.pptx
@@ -3372,7 +3372,7 @@
         <p:spPr>
           <a:xfrm>
             <a:off x="420414" y="335845"/>
-            <a:ext cx="5843752" cy="5632311"/>
+            <a:ext cx="5843752" cy="6370975"/>
           </a:xfrm>
           <a:prstGeom prst="rect">
             <a:avLst/>
@@ -3387,7 +3387,7 @@
           <a:p>
             <a:pPr algn="l"/>
             <a:r>
-              <a:rPr lang="pt-BR" b="1" i="0" noProof="1">
+              <a:rPr lang="pt-BR" sz="1700" b="1" i="0" noProof="1">
                 <a:solidFill>
                   <a:srgbClr val="191F28"/>
                 </a:solidFill>
@@ -3397,7 +3397,7 @@
               </a:rPr>
               <a:t>Dia 01 - 06/12 (ter)</a:t>
             </a:r>
-            <a:endParaRPr lang="pt-BR" b="0" i="0" noProof="1">
+            <a:endParaRPr lang="pt-BR" sz="1700" b="0" i="0" noProof="1">
               <a:solidFill>
                 <a:srgbClr val="191F28"/>
               </a:solidFill>
@@ -3412,7 +3412,7 @@
               <a:buChar char="•"/>
             </a:pPr>
             <a:r>
-              <a:rPr lang="pt-BR" i="0" noProof="1">
+              <a:rPr lang="pt-BR" sz="1700" i="0" noProof="1">
                 <a:effectLst/>
                 <a:latin typeface="Arial" panose="020B0604020202020204" pitchFamily="34" charset="0"/>
                 <a:cs typeface="Arial" panose="020B0604020202020204" pitchFamily="34" charset="0"/>
@@ -3426,41 +3426,41 @@
               <a:buChar char="•"/>
             </a:pPr>
             <a:r>
-              <a:rPr lang="pt-BR" dirty="0">
+              <a:rPr lang="pt-BR" sz="1700" dirty="0">
                 <a:latin typeface="Arial" panose="020B0604020202020204" pitchFamily="34" charset="0"/>
                 <a:cs typeface="Arial" panose="020B0604020202020204" pitchFamily="34" charset="0"/>
               </a:rPr>
               <a:t>Robson </a:t>
             </a:r>
             <a:r>
-              <a:rPr lang="pt-BR" dirty="0" err="1">
+              <a:rPr lang="pt-BR" sz="1700" dirty="0" err="1">
                 <a:latin typeface="Arial" panose="020B0604020202020204" pitchFamily="34" charset="0"/>
                 <a:cs typeface="Arial" panose="020B0604020202020204" pitchFamily="34" charset="0"/>
               </a:rPr>
               <a:t>Urschei</a:t>
             </a:r>
             <a:r>
-              <a:rPr lang="pt-BR" dirty="0">
+              <a:rPr lang="pt-BR" sz="1700" dirty="0">
                 <a:latin typeface="Arial" panose="020B0604020202020204" pitchFamily="34" charset="0"/>
                 <a:cs typeface="Arial" panose="020B0604020202020204" pitchFamily="34" charset="0"/>
               </a:rPr>
               <a:t> (</a:t>
             </a:r>
             <a:r>
-              <a:rPr lang="pt-CA" dirty="0">
+              <a:rPr lang="pt-CA" sz="1700" dirty="0">
                 <a:latin typeface="Arial" panose="020B0604020202020204" pitchFamily="34" charset="0"/>
                 <a:cs typeface="Arial" panose="020B0604020202020204" pitchFamily="34" charset="0"/>
               </a:rPr>
               <a:t>19:30 - 21:00)</a:t>
             </a:r>
-            <a:endParaRPr lang="pt-BR" noProof="1">
+            <a:endParaRPr lang="pt-BR" sz="1700" noProof="1">
               <a:latin typeface="Arial" panose="020B0604020202020204" pitchFamily="34" charset="0"/>
               <a:cs typeface="Arial" panose="020B0604020202020204" pitchFamily="34" charset="0"/>
             </a:endParaRPr>
           </a:p>
           <a:p>
             <a:pPr algn="l"/>
-            <a:endParaRPr lang="pt-BR" b="1" i="0" noProof="1">
+            <a:endParaRPr lang="pt-BR" sz="1700" b="1" i="0" noProof="1">
               <a:solidFill>
                 <a:srgbClr val="191F28"/>
               </a:solidFill>
@@ -3472,7 +3472,7 @@
           <a:p>
             <a:pPr algn="l"/>
             <a:r>
-              <a:rPr lang="pt-BR" b="1" i="0" noProof="1">
+              <a:rPr lang="pt-BR" sz="1700" b="1" i="0" noProof="1">
                 <a:solidFill>
                   <a:srgbClr val="191F28"/>
                 </a:solidFill>
@@ -3482,7 +3482,7 @@
               </a:rPr>
               <a:t>Dia 02- 07/12 (qua)</a:t>
             </a:r>
-            <a:endParaRPr lang="pt-BR" b="0" i="0" noProof="1">
+            <a:endParaRPr lang="pt-BR" sz="1700" b="0" i="0" noProof="1">
               <a:solidFill>
                 <a:srgbClr val="191F28"/>
               </a:solidFill>
@@ -3497,7 +3497,7 @@
               <a:buChar char="•"/>
             </a:pPr>
             <a:r>
-              <a:rPr lang="pt-BR" b="0" i="0" noProof="1">
+              <a:rPr lang="pt-BR" sz="1700" b="0" i="0" noProof="1">
                 <a:solidFill>
                   <a:srgbClr val="191F28"/>
                 </a:solidFill>
@@ -3508,7 +3508,7 @@
               <a:t>Como Criar e Manter um Time </a:t>
             </a:r>
             <a:r>
-              <a:rPr lang="pt-BR" noProof="1">
+              <a:rPr lang="pt-BR" sz="1700" noProof="1">
                 <a:solidFill>
                   <a:srgbClr val="191F28"/>
                 </a:solidFill>
@@ -3518,7 +3518,7 @@
               <a:t>Á</a:t>
             </a:r>
             <a:r>
-              <a:rPr lang="pt-BR" b="0" i="0" noProof="1">
+              <a:rPr lang="pt-BR" sz="1700" b="0" i="0" noProof="1">
                 <a:solidFill>
                   <a:srgbClr val="191F28"/>
                 </a:solidFill>
@@ -3535,41 +3535,41 @@
               <a:buChar char="•"/>
             </a:pPr>
             <a:r>
-              <a:rPr lang="pt-BR" dirty="0">
+              <a:rPr lang="pt-BR" sz="1700" dirty="0">
                 <a:latin typeface="Arial" panose="020B0604020202020204" pitchFamily="34" charset="0"/>
                 <a:cs typeface="Arial" panose="020B0604020202020204" pitchFamily="34" charset="0"/>
               </a:rPr>
               <a:t>Annelise </a:t>
             </a:r>
             <a:r>
-              <a:rPr lang="pt-BR" dirty="0" err="1">
+              <a:rPr lang="pt-BR" sz="1700" dirty="0" err="1">
                 <a:latin typeface="Arial" panose="020B0604020202020204" pitchFamily="34" charset="0"/>
                 <a:cs typeface="Arial" panose="020B0604020202020204" pitchFamily="34" charset="0"/>
               </a:rPr>
               <a:t>Gripp</a:t>
             </a:r>
             <a:r>
-              <a:rPr lang="pt-BR" dirty="0">
+              <a:rPr lang="pt-BR" sz="1700" dirty="0">
                 <a:latin typeface="Arial" panose="020B0604020202020204" pitchFamily="34" charset="0"/>
                 <a:cs typeface="Arial" panose="020B0604020202020204" pitchFamily="34" charset="0"/>
               </a:rPr>
               <a:t> (</a:t>
             </a:r>
             <a:r>
-              <a:rPr lang="pt-CA" dirty="0">
+              <a:rPr lang="pt-CA" sz="1700" dirty="0">
                 <a:latin typeface="Arial" panose="020B0604020202020204" pitchFamily="34" charset="0"/>
                 <a:cs typeface="Arial" panose="020B0604020202020204" pitchFamily="34" charset="0"/>
               </a:rPr>
               <a:t>19:30 - 20:30)</a:t>
             </a:r>
-            <a:endParaRPr lang="pt-BR" dirty="0">
+            <a:endParaRPr lang="pt-BR" sz="1700" dirty="0">
               <a:latin typeface="Arial" panose="020B0604020202020204" pitchFamily="34" charset="0"/>
               <a:cs typeface="Arial" panose="020B0604020202020204" pitchFamily="34" charset="0"/>
             </a:endParaRPr>
           </a:p>
           <a:p>
             <a:pPr algn="l"/>
-            <a:endParaRPr lang="pt-BR" b="0" i="0" noProof="1">
+            <a:endParaRPr lang="pt-BR" sz="1700" b="0" i="0" noProof="1">
               <a:solidFill>
                 <a:srgbClr val="191F28"/>
               </a:solidFill>
@@ -3584,7 +3584,7 @@
               <a:buChar char="•"/>
             </a:pPr>
             <a:r>
-              <a:rPr lang="pt-BR" b="0" i="0" noProof="1">
+              <a:rPr lang="pt-BR" sz="1700" b="0" i="0" noProof="1">
                 <a:solidFill>
                   <a:srgbClr val="191F28"/>
                 </a:solidFill>
@@ -3601,7 +3601,7 @@
               <a:buChar char="•"/>
             </a:pPr>
             <a:r>
-              <a:rPr lang="pt-BR" dirty="0" err="1">
+              <a:rPr lang="pt-BR" sz="1700" dirty="0" err="1">
                 <a:solidFill>
                   <a:srgbClr val="191F28"/>
                 </a:solidFill>
@@ -3611,7 +3611,7 @@
               <a:t>Lidia</a:t>
             </a:r>
             <a:r>
-              <a:rPr lang="pt-BR" dirty="0">
+              <a:rPr lang="pt-BR" sz="1700" dirty="0">
                 <a:solidFill>
                   <a:srgbClr val="191F28"/>
                 </a:solidFill>
@@ -3621,7 +3621,7 @@
               <a:t> Vieira (</a:t>
             </a:r>
             <a:r>
-              <a:rPr lang="pt-CA" dirty="0">
+              <a:rPr lang="pt-CA" sz="1700" dirty="0">
                 <a:solidFill>
                   <a:srgbClr val="191F28"/>
                 </a:solidFill>
@@ -3631,7 +3631,7 @@
               <a:t>20:30 - 21:30</a:t>
             </a:r>
             <a:r>
-              <a:rPr lang="pt-BR" dirty="0">
+              <a:rPr lang="pt-BR" sz="1700" dirty="0">
                 <a:solidFill>
                   <a:srgbClr val="191F28"/>
                 </a:solidFill>
@@ -3643,7 +3643,7 @@
           </a:p>
           <a:p>
             <a:pPr algn="l"/>
-            <a:endParaRPr lang="pt-BR" b="1" i="0" noProof="1">
+            <a:endParaRPr lang="pt-BR" sz="1700" b="1" i="0" noProof="1">
               <a:solidFill>
                 <a:srgbClr val="191F28"/>
               </a:solidFill>
@@ -3655,7 +3655,7 @@
           <a:p>
             <a:pPr algn="l"/>
             <a:r>
-              <a:rPr lang="pt-BR" b="1" i="0" noProof="1">
+              <a:rPr lang="pt-BR" sz="1700" b="1" i="0" noProof="1">
                 <a:solidFill>
                   <a:srgbClr val="191F28"/>
                 </a:solidFill>
@@ -3665,7 +3665,7 @@
               </a:rPr>
               <a:t>Dia 03- 08/12 (qui)</a:t>
             </a:r>
-            <a:endParaRPr lang="pt-BR" noProof="1">
+            <a:endParaRPr lang="pt-BR" sz="1700" noProof="1">
               <a:solidFill>
                 <a:srgbClr val="191F28"/>
               </a:solidFill>
@@ -3679,7 +3679,7 @@
               <a:buChar char="•"/>
             </a:pPr>
             <a:r>
-              <a:rPr lang="pt-BR" dirty="0">
+              <a:rPr lang="pt-BR" sz="1700" dirty="0">
                 <a:solidFill>
                   <a:srgbClr val="191F28"/>
                 </a:solidFill>
@@ -3692,7 +3692,7 @@
           <a:p>
             <a:pPr algn="l"/>
             <a:r>
-              <a:rPr lang="pt-BR" dirty="0">
+              <a:rPr lang="pt-BR" sz="1700" dirty="0">
                 <a:solidFill>
                   <a:srgbClr val="191F28"/>
                 </a:solidFill>
@@ -3708,7 +3708,7 @@
               <a:buChar char="•"/>
             </a:pPr>
             <a:r>
-              <a:rPr lang="pt-BR" dirty="0" err="1">
+              <a:rPr lang="pt-BR" sz="1700" dirty="0" err="1">
                 <a:solidFill>
                   <a:srgbClr val="191F28"/>
                 </a:solidFill>
@@ -3718,7 +3718,7 @@
               <a:t>Ibson</a:t>
             </a:r>
             <a:r>
-              <a:rPr lang="pt-BR" dirty="0">
+              <a:rPr lang="pt-BR" sz="1700" dirty="0">
                 <a:solidFill>
                   <a:srgbClr val="191F28"/>
                 </a:solidFill>
@@ -3728,7 +3728,7 @@
               <a:t> Cabral e Léo Tonso (</a:t>
             </a:r>
             <a:r>
-              <a:rPr lang="pt-CA" dirty="0">
+              <a:rPr lang="pt-CA" sz="1700" dirty="0">
                 <a:solidFill>
                   <a:srgbClr val="191F28"/>
                 </a:solidFill>
@@ -3738,7 +3738,7 @@
               <a:t>19:00 - 20:00</a:t>
             </a:r>
             <a:r>
-              <a:rPr lang="pt-BR" dirty="0">
+              <a:rPr lang="pt-BR" sz="1700" dirty="0">
                 <a:solidFill>
                   <a:srgbClr val="191F28"/>
                 </a:solidFill>
@@ -3753,7 +3753,7 @@
               <a:buFont typeface="Arial" panose="020B0604020202020204" pitchFamily="34" charset="0"/>
               <a:buChar char="•"/>
             </a:pPr>
-            <a:endParaRPr lang="pt-BR" b="0" i="0" noProof="1">
+            <a:endParaRPr lang="pt-BR" sz="1700" b="0" i="0" noProof="1">
               <a:solidFill>
                 <a:srgbClr val="191F28"/>
               </a:solidFill>
@@ -3768,7 +3768,7 @@
               <a:buChar char="•"/>
             </a:pPr>
             <a:r>
-              <a:rPr lang="pt-BR" b="0" i="0" noProof="1">
+              <a:rPr lang="pt-BR" sz="1700" b="0" i="0" noProof="1">
                 <a:solidFill>
                   <a:srgbClr val="191F28"/>
                 </a:solidFill>
@@ -3782,7 +3782,7 @@
           <a:p>
             <a:pPr algn="l"/>
             <a:r>
-              <a:rPr lang="pt-BR" b="0" i="0" noProof="1">
+              <a:rPr lang="pt-BR" sz="1700" b="0" i="0" noProof="1">
                 <a:solidFill>
                   <a:srgbClr val="191F28"/>
                 </a:solidFill>
@@ -3799,7 +3799,7 @@
               <a:buChar char="•"/>
             </a:pPr>
             <a:r>
-              <a:rPr lang="pt-BR" dirty="0">
+              <a:rPr lang="pt-BR" sz="1700" dirty="0">
                 <a:solidFill>
                   <a:srgbClr val="191F28"/>
                 </a:solidFill>
@@ -3809,7 +3809,7 @@
               <a:t>Felipe Almeida (</a:t>
             </a:r>
             <a:r>
-              <a:rPr lang="pt-CA" dirty="0">
+              <a:rPr lang="pt-CA" sz="1700" dirty="0">
                 <a:solidFill>
                   <a:srgbClr val="191F28"/>
                 </a:solidFill>
@@ -3818,7 +3818,7 @@
               </a:rPr>
               <a:t>20:15 - 21:15)</a:t>
             </a:r>
-            <a:endParaRPr lang="pt-BR" dirty="0">
+            <a:endParaRPr lang="pt-BR" sz="1700" dirty="0">
               <a:solidFill>
                 <a:srgbClr val="191F28"/>
               </a:solidFill>
@@ -3827,11 +3827,8 @@
             </a:endParaRPr>
           </a:p>
           <a:p>
-            <a:pPr marL="742950" lvl="1" indent="-285750">
-              <a:buFont typeface="Arial" panose="020B0604020202020204" pitchFamily="34" charset="0"/>
-              <a:buChar char="•"/>
-            </a:pPr>
-            <a:endParaRPr lang="pt-BR" dirty="0">
+            <a:pPr lvl="1"/>
+            <a:endParaRPr lang="pt-BR" sz="1700" dirty="0">
               <a:solidFill>
                 <a:srgbClr val="191F28"/>
               </a:solidFill>
@@ -3839,6 +3836,78 @@
               <a:cs typeface="Arial" panose="020B0604020202020204" pitchFamily="34" charset="0"/>
             </a:endParaRPr>
           </a:p>
+          <a:p>
+            <a:r>
+              <a:rPr lang="pt-BR" sz="1700" b="1" i="0" noProof="1">
+                <a:solidFill>
+                  <a:srgbClr val="191F28"/>
+                </a:solidFill>
+                <a:effectLst/>
+                <a:latin typeface="Arial" panose="020B0604020202020204" pitchFamily="34" charset="0"/>
+                <a:cs typeface="Arial" panose="020B0604020202020204" pitchFamily="34" charset="0"/>
+              </a:rPr>
+              <a:t>Dia 04- 09/12 (sex)</a:t>
+            </a:r>
+          </a:p>
+          <a:p>
+            <a:pPr marL="285750" indent="-285750">
+              <a:buFont typeface="Arial" panose="020B0604020202020204" pitchFamily="34" charset="0"/>
+              <a:buChar char="•"/>
+            </a:pPr>
+            <a:r>
+              <a:rPr lang="pt-BR" sz="1700" i="0" dirty="0">
+                <a:effectLst/>
+                <a:latin typeface="Arial" panose="020B0604020202020204" pitchFamily="34" charset="0"/>
+              </a:rPr>
+              <a:t>Agregação de carreira</a:t>
+            </a:r>
+          </a:p>
+          <a:p>
+            <a:pPr marL="742950" lvl="1" indent="-285750">
+              <a:buFont typeface="Arial" panose="020B0604020202020204" pitchFamily="34" charset="0"/>
+              <a:buChar char="•"/>
+            </a:pPr>
+            <a:r>
+              <a:rPr lang="pt-BR" sz="1700" dirty="0">
+                <a:solidFill>
+                  <a:srgbClr val="191F28"/>
+                </a:solidFill>
+                <a:latin typeface="Arial" panose="020B0604020202020204" pitchFamily="34" charset="0"/>
+                <a:cs typeface="Arial" panose="020B0604020202020204" pitchFamily="34" charset="0"/>
+              </a:rPr>
+              <a:t>Celso Silva (</a:t>
+            </a:r>
+            <a:r>
+              <a:rPr lang="pt-CA" sz="1700" dirty="0">
+                <a:solidFill>
+                  <a:srgbClr val="191F28"/>
+                </a:solidFill>
+                <a:latin typeface="Arial" panose="020B0604020202020204" pitchFamily="34" charset="0"/>
+                <a:cs typeface="Arial" panose="020B0604020202020204" pitchFamily="34" charset="0"/>
+              </a:rPr>
+              <a:t>19:30 - 20:45</a:t>
+            </a:r>
+            <a:r>
+              <a:rPr lang="pt-BR" sz="1700" dirty="0">
+                <a:solidFill>
+                  <a:srgbClr val="191F28"/>
+                </a:solidFill>
+                <a:latin typeface="Arial" panose="020B0604020202020204" pitchFamily="34" charset="0"/>
+                <a:cs typeface="Arial" panose="020B0604020202020204" pitchFamily="34" charset="0"/>
+              </a:rPr>
+              <a:t>)</a:t>
+            </a:r>
+          </a:p>
+          <a:p>
+            <a:pPr lvl="1"/>
+            <a:endParaRPr lang="pt-BR" sz="1700" dirty="0">
+              <a:solidFill>
+                <a:srgbClr val="191F28"/>
+              </a:solidFill>
+              <a:latin typeface="Arial" panose="020B0604020202020204" pitchFamily="34" charset="0"/>
+              <a:cs typeface="Arial" panose="020B0604020202020204" pitchFamily="34" charset="0"/>
+            </a:endParaRPr>
+          </a:p>
         </p:txBody>
       </p:sp>
       <p:sp>
@@ -3856,7 +3925,7 @@
         <p:spPr>
           <a:xfrm>
             <a:off x="5623035" y="335845"/>
-            <a:ext cx="5843752" cy="6186309"/>
+            <a:ext cx="5843752" cy="5847755"/>
           </a:xfrm>
           <a:prstGeom prst="rect">
             <a:avLst/>
@@ -3870,7 +3939,7 @@
           <a:lstStyle/>
           <a:p>
             <a:r>
-              <a:rPr lang="pt-BR" b="1" i="0" noProof="1">
+              <a:rPr lang="pt-BR" sz="1700" b="1" i="0" noProof="1">
                 <a:solidFill>
                   <a:srgbClr val="191F28"/>
                 </a:solidFill>
@@ -3887,12 +3956,23 @@
               <a:buChar char="•"/>
             </a:pPr>
             <a:r>
-              <a:rPr lang="pt-BR" i="0" dirty="0">
+              <a:rPr lang="pt-BR" sz="1700" i="0" dirty="0">
                 <a:effectLst/>
                 <a:latin typeface="Arial" panose="020B0604020202020204" pitchFamily="34" charset="0"/>
               </a:rPr>
-              <a:t>Agregação de carreira</a:t>
-            </a:r>
+              <a:t>Gestão de resultados com </a:t>
+            </a:r>
+            <a:r>
+              <a:rPr lang="pt-BR" sz="1700" i="0" dirty="0" err="1">
+                <a:effectLst/>
+                <a:latin typeface="Arial" panose="020B0604020202020204" pitchFamily="34" charset="0"/>
+              </a:rPr>
+              <a:t>OKRs</a:t>
+            </a:r>
+            <a:endParaRPr lang="pt-BR" sz="1700" i="0" dirty="0">
+              <a:effectLst/>
+              <a:latin typeface="Arial" panose="020B0604020202020204" pitchFamily="34" charset="0"/>
+            </a:endParaRPr>
           </a:p>
           <a:p>
             <a:pPr marL="742950" lvl="1" indent="-285750">
@@ -3900,27 +3980,57 @@
               <a:buChar char="•"/>
             </a:pPr>
             <a:r>
-              <a:rPr lang="pt-BR" dirty="0">
-                <a:solidFill>
-                  <a:srgbClr val="191F28"/>
-                </a:solidFill>
-                <a:latin typeface="Arial" panose="020B0604020202020204" pitchFamily="34" charset="0"/>
-                <a:cs typeface="Arial" panose="020B0604020202020204" pitchFamily="34" charset="0"/>
-              </a:rPr>
-              <a:t>Celso Silva (</a:t>
-            </a:r>
-            <a:r>
-              <a:rPr lang="pt-CA" dirty="0">
-                <a:solidFill>
-                  <a:srgbClr val="191F28"/>
-                </a:solidFill>
-                <a:latin typeface="Arial" panose="020B0604020202020204" pitchFamily="34" charset="0"/>
-                <a:cs typeface="Arial" panose="020B0604020202020204" pitchFamily="34" charset="0"/>
-              </a:rPr>
-              <a:t>19:30 - 20:45</a:t>
-            </a:r>
-            <a:r>
-              <a:rPr lang="pt-BR" dirty="0">
+              <a:rPr lang="pt-BR" sz="1700" b="0" i="0" dirty="0">
+                <a:solidFill>
+                  <a:srgbClr val="000000"/>
+                </a:solidFill>
+                <a:effectLst/>
+                <a:latin typeface="Arial" panose="020B0604020202020204" pitchFamily="34" charset="0"/>
+              </a:rPr>
+              <a:t>Leandro Fonseca</a:t>
+            </a:r>
+            <a:r>
+              <a:rPr lang="pt-BR" sz="1700" dirty="0">
+                <a:solidFill>
+                  <a:srgbClr val="191F28"/>
+                </a:solidFill>
+                <a:latin typeface="Arial" panose="020B0604020202020204" pitchFamily="34" charset="0"/>
+                <a:cs typeface="Arial" panose="020B0604020202020204" pitchFamily="34" charset="0"/>
+              </a:rPr>
+              <a:t> (</a:t>
+            </a:r>
+            <a:r>
+              <a:rPr lang="pt-BR" sz="1700" b="0" i="0" dirty="0">
+                <a:solidFill>
+                  <a:srgbClr val="000000"/>
+                </a:solidFill>
+                <a:effectLst/>
+                <a:latin typeface="Arial" panose="020B0604020202020204" pitchFamily="34" charset="0"/>
+              </a:rPr>
+              <a:t>Jesus</a:t>
+            </a:r>
+            <a:r>
+              <a:rPr lang="pt-BR" sz="1700" dirty="0">
+                <a:solidFill>
+                  <a:srgbClr val="191F28"/>
+                </a:solidFill>
+                <a:latin typeface="Arial" panose="020B0604020202020204" pitchFamily="34" charset="0"/>
+                <a:cs typeface="Arial" panose="020B0604020202020204" pitchFamily="34" charset="0"/>
+              </a:rPr>
+              <a:t>) (</a:t>
+            </a:r>
+            <a:r>
+              <a:rPr lang="pt-CA" sz="1700" dirty="0">
+                <a:solidFill>
+                  <a:srgbClr val="191F28"/>
+                </a:solidFill>
+                <a:latin typeface="Arial" panose="020B0604020202020204" pitchFamily="34" charset="0"/>
+                <a:cs typeface="Arial" panose="020B0604020202020204" pitchFamily="34" charset="0"/>
+              </a:rPr>
+              <a:t>19:00 - 20:00</a:t>
+            </a:r>
+            <a:r>
+              <a:rPr lang="pt-BR" sz="1700" dirty="0">
                 <a:solidFill>
                   <a:srgbClr val="191F28"/>
                 </a:solidFill>
@@ -3931,10 +4041,12 @@
             </a:r>
           </a:p>
           <a:p>
-            <a:pPr lvl="1"/>
-            <a:endParaRPr lang="pt-CA" i="0" dirty="0">
-              <a:effectLst/>
+            <a:endParaRPr lang="pt-BR" sz="1700" noProof="1">
+              <a:solidFill>
+                <a:srgbClr val="191F28"/>
+              </a:solidFill>
               <a:latin typeface="Arial" panose="020B0604020202020204" pitchFamily="34" charset="0"/>
+              <a:cs typeface="Arial" panose="020B0604020202020204" pitchFamily="34" charset="0"/>
             </a:endParaRPr>
           </a:p>
           <a:p>
@@ -3943,7 +4055,7 @@
               <a:buChar char="•"/>
             </a:pPr>
             <a:r>
-              <a:rPr lang="pt-BR" i="0" dirty="0">
+              <a:rPr lang="pt-BR" sz="1700" i="0" dirty="0">
                 <a:effectLst/>
                 <a:latin typeface="Arial" panose="020B0604020202020204" pitchFamily="34" charset="0"/>
               </a:rPr>
@@ -3956,7 +4068,7 @@
               <a:buChar char="•"/>
             </a:pPr>
             <a:r>
-              <a:rPr lang="pt-BR" dirty="0">
+              <a:rPr lang="pt-BR" sz="1700" dirty="0">
                 <a:solidFill>
                   <a:srgbClr val="191F28"/>
                 </a:solidFill>
@@ -3966,7 +4078,7 @@
               <a:t>Ricardo Lima Cardoso (</a:t>
             </a:r>
             <a:r>
-              <a:rPr lang="pt-CA" dirty="0">
+              <a:rPr lang="pt-CA" sz="1700" dirty="0">
                 <a:solidFill>
                   <a:srgbClr val="191F28"/>
                 </a:solidFill>
@@ -3976,7 +4088,7 @@
               <a:t>20:45 - 22:00</a:t>
             </a:r>
             <a:r>
-              <a:rPr lang="pt-BR" dirty="0">
+              <a:rPr lang="pt-BR" sz="1700" dirty="0">
                 <a:solidFill>
                   <a:srgbClr val="191F28"/>
                 </a:solidFill>
@@ -3987,7 +4099,7 @@
             </a:r>
           </a:p>
           <a:p>
-            <a:endParaRPr lang="pt-BR" b="0" i="0" noProof="1">
+            <a:endParaRPr lang="pt-BR" sz="1700" b="0" i="0" noProof="1">
               <a:solidFill>
                 <a:srgbClr val="191F28"/>
               </a:solidFill>
@@ -3998,7 +4110,7 @@
           </a:p>
           <a:p>
             <a:r>
-              <a:rPr lang="pt-BR" b="1" i="0" noProof="1">
+              <a:rPr lang="pt-BR" sz="1700" b="1" i="0" noProof="1">
                 <a:solidFill>
                   <a:srgbClr val="191F28"/>
                 </a:solidFill>
@@ -4015,7 +4127,7 @@
               <a:buChar char="•"/>
             </a:pPr>
             <a:r>
-              <a:rPr lang="pt-BR" b="0" i="0" noProof="1">
+              <a:rPr lang="pt-BR" sz="1700" b="0" i="0" noProof="1">
                 <a:solidFill>
                   <a:srgbClr val="191F28"/>
                 </a:solidFill>
@@ -4031,7 +4143,7 @@
               <a:buFont typeface="Arial" panose="020B0604020202020204" pitchFamily="34" charset="0"/>
               <a:buChar char="•"/>
             </a:pPr>
-            <a:endParaRPr lang="pt-BR" b="0" i="0" noProof="1">
+            <a:endParaRPr lang="pt-BR" sz="1700" b="0" i="0" noProof="1">
               <a:solidFill>
                 <a:srgbClr val="191F28"/>
               </a:solidFill>
@@ -4046,7 +4158,7 @@
               <a:buChar char="•"/>
             </a:pPr>
             <a:r>
-              <a:rPr lang="pt-BR" b="0" i="0" noProof="1">
+              <a:rPr lang="pt-BR" sz="1700" b="0" i="0" noProof="1">
                 <a:solidFill>
                   <a:srgbClr val="191F28"/>
                 </a:solidFill>
@@ -4063,7 +4175,7 @@
               <a:buChar char="•"/>
             </a:pPr>
             <a:r>
-              <a:rPr lang="pt-BR" dirty="0" err="1">
+              <a:rPr lang="pt-BR" sz="1700" dirty="0" err="1">
                 <a:solidFill>
                   <a:srgbClr val="191F28"/>
                 </a:solidFill>
@@ -4073,7 +4185,7 @@
               <a:t>Jonatha</a:t>
             </a:r>
             <a:r>
-              <a:rPr lang="pt-BR" dirty="0">
+              <a:rPr lang="pt-BR" sz="1700" dirty="0">
                 <a:solidFill>
                   <a:srgbClr val="191F28"/>
                 </a:solidFill>
@@ -4083,7 +4195,7 @@
               <a:t> </a:t>
             </a:r>
             <a:r>
-              <a:rPr lang="pt-BR" dirty="0" err="1">
+              <a:rPr lang="pt-BR" sz="1700" dirty="0" err="1">
                 <a:solidFill>
                   <a:srgbClr val="191F28"/>
                 </a:solidFill>
@@ -4093,7 +4205,7 @@
               <a:t>Brassolatti</a:t>
             </a:r>
             <a:r>
-              <a:rPr lang="pt-BR" dirty="0">
+              <a:rPr lang="pt-BR" sz="1700" dirty="0">
                 <a:solidFill>
                   <a:srgbClr val="191F28"/>
                 </a:solidFill>
@@ -4103,7 +4215,7 @@
               <a:t> e Ian Natividade (</a:t>
             </a:r>
             <a:r>
-              <a:rPr lang="pt-CA" dirty="0">
+              <a:rPr lang="pt-CA" sz="1700" dirty="0">
                 <a:solidFill>
                   <a:srgbClr val="191F28"/>
                 </a:solidFill>
@@ -4113,7 +4225,7 @@
               <a:t>09:00 - 10:00</a:t>
             </a:r>
             <a:r>
-              <a:rPr lang="pt-BR" dirty="0">
+              <a:rPr lang="pt-BR" sz="1700" dirty="0">
                 <a:solidFill>
                   <a:srgbClr val="191F28"/>
                 </a:solidFill>
@@ -4122,7 +4234,7 @@
               </a:rPr>
               <a:t>)</a:t>
             </a:r>
-            <a:endParaRPr lang="pt-BR" noProof="1">
+            <a:endParaRPr lang="pt-BR" sz="1700" noProof="1">
               <a:solidFill>
                 <a:srgbClr val="191F28"/>
               </a:solidFill>
@@ -4135,7 +4247,7 @@
               <a:buFont typeface="Arial" panose="020B0604020202020204" pitchFamily="34" charset="0"/>
               <a:buChar char="•"/>
             </a:pPr>
-            <a:endParaRPr lang="pt-BR" b="0" i="0" noProof="1">
+            <a:endParaRPr lang="pt-BR" sz="1700" b="0" i="0" noProof="1">
               <a:solidFill>
                 <a:srgbClr val="191F28"/>
               </a:solidFill>
@@ -4150,7 +4262,7 @@
               <a:buChar char="•"/>
             </a:pPr>
             <a:r>
-              <a:rPr lang="pt-BR" b="0" i="0" noProof="1">
+              <a:rPr lang="pt-BR" sz="1700" b="0" i="0" noProof="1">
                 <a:solidFill>
                   <a:srgbClr val="191F28"/>
                 </a:solidFill>
@@ -4167,7 +4279,7 @@
               <a:buChar char="•"/>
             </a:pPr>
             <a:r>
-              <a:rPr lang="pt-BR" dirty="0">
+              <a:rPr lang="pt-BR" sz="1700" dirty="0">
                 <a:solidFill>
                   <a:srgbClr val="191F28"/>
                 </a:solidFill>
@@ -4177,7 +4289,7 @@
               <a:t>Leandro Garcia (</a:t>
             </a:r>
             <a:r>
-              <a:rPr lang="pt-CA" dirty="0">
+              <a:rPr lang="pt-CA" sz="1700" dirty="0">
                 <a:solidFill>
                   <a:srgbClr val="191F28"/>
                 </a:solidFill>
@@ -4187,7 +4299,7 @@
               <a:t>10:00 - 11:00</a:t>
             </a:r>
             <a:r>
-              <a:rPr lang="pt-BR" dirty="0">
+              <a:rPr lang="pt-BR" sz="1700" dirty="0">
                 <a:solidFill>
                   <a:srgbClr val="191F28"/>
                 </a:solidFill>
@@ -4202,7 +4314,7 @@
               <a:buFont typeface="Arial" panose="020B0604020202020204" pitchFamily="34" charset="0"/>
               <a:buChar char="•"/>
             </a:pPr>
-            <a:endParaRPr lang="pt-BR" b="0" i="0" noProof="1">
+            <a:endParaRPr lang="pt-BR" sz="1700" b="0" i="0" noProof="1">
               <a:solidFill>
                 <a:srgbClr val="191F28"/>
               </a:solidFill>
@@ -4217,7 +4329,7 @@
               <a:buChar char="•"/>
             </a:pPr>
             <a:r>
-              <a:rPr lang="pt-BR" b="0" i="0" noProof="1">
+              <a:rPr lang="pt-BR" sz="1700" b="0" i="0" noProof="1">
                 <a:solidFill>
                   <a:srgbClr val="191F28"/>
                 </a:solidFill>
@@ -4234,7 +4346,7 @@
               <a:buChar char="•"/>
             </a:pPr>
             <a:r>
-              <a:rPr lang="pt-BR" dirty="0">
+              <a:rPr lang="pt-BR" sz="1700" dirty="0">
                 <a:solidFill>
                   <a:srgbClr val="191F28"/>
                 </a:solidFill>
@@ -4244,7 +4356,7 @@
               <a:t>Renata Reis Rodrigues (</a:t>
             </a:r>
             <a:r>
-              <a:rPr lang="pt-CA" dirty="0">
+              <a:rPr lang="pt-CA" sz="1700" dirty="0">
                 <a:solidFill>
                   <a:srgbClr val="191F28"/>
                 </a:solidFill>
@@ -4254,7 +4366,7 @@
               <a:t>11:00 - 12:00</a:t>
             </a:r>
             <a:r>
-              <a:rPr lang="pt-BR" dirty="0">
+              <a:rPr lang="pt-BR" sz="1700" dirty="0">
                 <a:solidFill>
                   <a:srgbClr val="191F28"/>
                 </a:solidFill>
@@ -4263,7 +4375,7 @@
               </a:rPr>
               <a:t>) </a:t>
             </a:r>
-            <a:endParaRPr lang="pt-BR" noProof="1">
+            <a:endParaRPr lang="pt-BR" sz="1700" noProof="1">
               <a:solidFill>
                 <a:srgbClr val="191F28"/>
               </a:solidFill>
@@ -4276,7 +4388,7 @@
               <a:buFont typeface="Arial" panose="020B0604020202020204" pitchFamily="34" charset="0"/>
               <a:buChar char="•"/>
             </a:pPr>
-            <a:endParaRPr lang="pt-BR" noProof="1">
+            <a:endParaRPr lang="pt-BR" sz="1700" noProof="1">
               <a:solidFill>
                 <a:srgbClr val="191F28"/>
               </a:solidFill>
@@ -4290,7 +4402,7 @@
               <a:buChar char="•"/>
             </a:pPr>
             <a:r>
-              <a:rPr lang="pt-BR" b="0" i="0" noProof="1">
+              <a:rPr lang="pt-BR" sz="1700" b="0" i="0" noProof="1">
                 <a:solidFill>
                   <a:srgbClr val="191F28"/>
                 </a:solidFill>
@@ -4307,7 +4419,7 @@
               <a:buChar char="•"/>
             </a:pPr>
             <a:r>
-              <a:rPr lang="pt-BR" dirty="0">
+              <a:rPr lang="pt-BR" sz="1700" dirty="0">
                 <a:solidFill>
                   <a:srgbClr val="191F28"/>
                 </a:solidFill>
@@ -4317,7 +4429,7 @@
               <a:t>Bruno Mata (</a:t>
             </a:r>
             <a:r>
-              <a:rPr lang="pt-CA" dirty="0">
+              <a:rPr lang="pt-CA" sz="1700" dirty="0">
                 <a:solidFill>
                   <a:srgbClr val="191F28"/>
                 </a:solidFill>
@@ -4327,7 +4439,7 @@
               <a:t>13:30 - 14:30</a:t>
             </a:r>
             <a:r>
-              <a:rPr lang="pt-BR" dirty="0">
+              <a:rPr lang="pt-BR" sz="1700" dirty="0">
                 <a:solidFill>
                   <a:srgbClr val="191F28"/>
                 </a:solidFill>
